--- a/image/이미지_생성용.pptx
+++ b/image/이미지_생성용.pptx
@@ -104,6 +104,11 @@
       </a:defRPr>
     </a:lvl9pPr>
   </p:defaultTextStyle>
+  <p:extLst>
+    <p:ext uri="{EFAFB233-063F-42B5-8137-9DF3F51BA10A}">
+      <p15:sldGuideLst xmlns:p15="http://schemas.microsoft.com/office/powerpoint/2012/main"/>
+    </p:ext>
+  </p:extLst>
 </p:presentation>
 </file>
 
@@ -238,7 +243,7 @@
           <a:p>
             <a:fld id="{8484631F-0FD4-43A5-BAC0-679E520DF569}" type="datetimeFigureOut">
               <a:rPr lang="ko-KR" altLang="en-US" smtClean="0"/>
-              <a:t>2025-11-18</a:t>
+              <a:t>2025-11-19</a:t>
             </a:fld>
             <a:endParaRPr lang="ko-KR" altLang="en-US"/>
           </a:p>
@@ -408,7 +413,7 @@
           <a:p>
             <a:fld id="{8484631F-0FD4-43A5-BAC0-679E520DF569}" type="datetimeFigureOut">
               <a:rPr lang="ko-KR" altLang="en-US" smtClean="0"/>
-              <a:t>2025-11-18</a:t>
+              <a:t>2025-11-19</a:t>
             </a:fld>
             <a:endParaRPr lang="ko-KR" altLang="en-US"/>
           </a:p>
@@ -588,7 +593,7 @@
           <a:p>
             <a:fld id="{8484631F-0FD4-43A5-BAC0-679E520DF569}" type="datetimeFigureOut">
               <a:rPr lang="ko-KR" altLang="en-US" smtClean="0"/>
-              <a:t>2025-11-18</a:t>
+              <a:t>2025-11-19</a:t>
             </a:fld>
             <a:endParaRPr lang="ko-KR" altLang="en-US"/>
           </a:p>
@@ -758,7 +763,7 @@
           <a:p>
             <a:fld id="{8484631F-0FD4-43A5-BAC0-679E520DF569}" type="datetimeFigureOut">
               <a:rPr lang="ko-KR" altLang="en-US" smtClean="0"/>
-              <a:t>2025-11-18</a:t>
+              <a:t>2025-11-19</a:t>
             </a:fld>
             <a:endParaRPr lang="ko-KR" altLang="en-US"/>
           </a:p>
@@ -1004,7 +1009,7 @@
           <a:p>
             <a:fld id="{8484631F-0FD4-43A5-BAC0-679E520DF569}" type="datetimeFigureOut">
               <a:rPr lang="ko-KR" altLang="en-US" smtClean="0"/>
-              <a:t>2025-11-18</a:t>
+              <a:t>2025-11-19</a:t>
             </a:fld>
             <a:endParaRPr lang="ko-KR" altLang="en-US"/>
           </a:p>
@@ -1236,7 +1241,7 @@
           <a:p>
             <a:fld id="{8484631F-0FD4-43A5-BAC0-679E520DF569}" type="datetimeFigureOut">
               <a:rPr lang="ko-KR" altLang="en-US" smtClean="0"/>
-              <a:t>2025-11-18</a:t>
+              <a:t>2025-11-19</a:t>
             </a:fld>
             <a:endParaRPr lang="ko-KR" altLang="en-US"/>
           </a:p>
@@ -1603,7 +1608,7 @@
           <a:p>
             <a:fld id="{8484631F-0FD4-43A5-BAC0-679E520DF569}" type="datetimeFigureOut">
               <a:rPr lang="ko-KR" altLang="en-US" smtClean="0"/>
-              <a:t>2025-11-18</a:t>
+              <a:t>2025-11-19</a:t>
             </a:fld>
             <a:endParaRPr lang="ko-KR" altLang="en-US"/>
           </a:p>
@@ -1721,7 +1726,7 @@
           <a:p>
             <a:fld id="{8484631F-0FD4-43A5-BAC0-679E520DF569}" type="datetimeFigureOut">
               <a:rPr lang="ko-KR" altLang="en-US" smtClean="0"/>
-              <a:t>2025-11-18</a:t>
+              <a:t>2025-11-19</a:t>
             </a:fld>
             <a:endParaRPr lang="ko-KR" altLang="en-US"/>
           </a:p>
@@ -1816,7 +1821,7 @@
           <a:p>
             <a:fld id="{8484631F-0FD4-43A5-BAC0-679E520DF569}" type="datetimeFigureOut">
               <a:rPr lang="ko-KR" altLang="en-US" smtClean="0"/>
-              <a:t>2025-11-18</a:t>
+              <a:t>2025-11-19</a:t>
             </a:fld>
             <a:endParaRPr lang="ko-KR" altLang="en-US"/>
           </a:p>
@@ -2093,7 +2098,7 @@
           <a:p>
             <a:fld id="{8484631F-0FD4-43A5-BAC0-679E520DF569}" type="datetimeFigureOut">
               <a:rPr lang="ko-KR" altLang="en-US" smtClean="0"/>
-              <a:t>2025-11-18</a:t>
+              <a:t>2025-11-19</a:t>
             </a:fld>
             <a:endParaRPr lang="ko-KR" altLang="en-US"/>
           </a:p>
@@ -2346,7 +2351,7 @@
           <a:p>
             <a:fld id="{8484631F-0FD4-43A5-BAC0-679E520DF569}" type="datetimeFigureOut">
               <a:rPr lang="ko-KR" altLang="en-US" smtClean="0"/>
-              <a:t>2025-11-18</a:t>
+              <a:t>2025-11-19</a:t>
             </a:fld>
             <a:endParaRPr lang="ko-KR" altLang="en-US"/>
           </a:p>
@@ -2559,7 +2564,7 @@
           <a:p>
             <a:fld id="{8484631F-0FD4-43A5-BAC0-679E520DF569}" type="datetimeFigureOut">
               <a:rPr lang="ko-KR" altLang="en-US" smtClean="0"/>
-              <a:t>2025-11-18</a:t>
+              <a:t>2025-11-19</a:t>
             </a:fld>
             <a:endParaRPr lang="ko-KR" altLang="en-US"/>
           </a:p>
@@ -2966,27 +2971,177 @@
       </p:grpSpPr>
       <p:pic>
         <p:nvPicPr>
-          <p:cNvPr id="4" name="그림 3"/>
+          <p:cNvPr id="2" name="그림 1"/>
+          <p:cNvPicPr>
+            <a:picLocks noChangeAspect="1"/>
+          </p:cNvPicPr>
+          <p:nvPr/>
+        </p:nvPicPr>
+        <p:blipFill>
+          <a:blip r:embed="rId2"/>
+          <a:stretch>
+            <a:fillRect/>
+          </a:stretch>
+        </p:blipFill>
+        <p:spPr>
+          <a:xfrm>
+            <a:off x="193373" y="0"/>
+            <a:ext cx="3229426" cy="2248214"/>
+          </a:xfrm>
+          <a:prstGeom prst="rect">
+            <a:avLst/>
+          </a:prstGeom>
+        </p:spPr>
+      </p:pic>
+      <p:pic>
+        <p:nvPicPr>
+          <p:cNvPr id="5" name="그림 4"/>
           <p:cNvPicPr>
             <a:picLocks noChangeAspect="1"/>
           </p:cNvPicPr>
           <p:nvPr/>
         </p:nvPicPr>
         <p:blipFill rotWithShape="1">
-          <a:blip r:embed="rId2" cstate="print">
+          <a:blip r:embed="rId3" cstate="print">
             <a:extLst>
               <a:ext uri="{28A0092B-C50C-407E-A947-70E740481C1C}">
                 <a14:useLocalDpi xmlns:a14="http://schemas.microsoft.com/office/drawing/2010/main" val="0"/>
               </a:ext>
             </a:extLst>
           </a:blip>
-          <a:srcRect l="22946" t="24725" r="32880" b="34758"/>
+          <a:srcRect l="7444" t="9408" b="4539"/>
           <a:stretch/>
         </p:blipFill>
         <p:spPr>
           <a:xfrm>
-            <a:off x="3622089" y="1695635"/>
-            <a:ext cx="4039340" cy="2778712"/>
+            <a:off x="4074160" y="152400"/>
+            <a:ext cx="2722368" cy="2527816"/>
+          </a:xfrm>
+          <a:prstGeom prst="rect">
+            <a:avLst/>
+          </a:prstGeom>
+        </p:spPr>
+      </p:pic>
+      <mc:AlternateContent xmlns:mc="http://schemas.openxmlformats.org/markup-compatibility/2006">
+        <mc:Choice xmlns:a14="http://schemas.microsoft.com/office/drawing/2010/main" Requires="a14">
+          <p:sp>
+            <p:nvSpPr>
+              <p:cNvPr id="6" name="TextBox 5"/>
+              <p:cNvSpPr txBox="1"/>
+              <p:nvPr/>
+            </p:nvSpPr>
+            <p:spPr>
+              <a:xfrm>
+                <a:off x="193373" y="2824480"/>
+                <a:ext cx="3149267" cy="374526"/>
+              </a:xfrm>
+              <a:prstGeom prst="rect">
+                <a:avLst/>
+              </a:prstGeom>
+              <a:noFill/>
+            </p:spPr>
+            <p:txBody>
+              <a:bodyPr wrap="square" rtlCol="0">
+                <a:spAutoFit/>
+              </a:bodyPr>
+              <a:lstStyle/>
+              <a:p>
+                <a14:m>
+                  <m:oMathPara xmlns:m="http://schemas.openxmlformats.org/officeDocument/2006/math">
+                    <m:oMathParaPr>
+                      <m:jc m:val="centerGroup"/>
+                    </m:oMathParaPr>
+                    <m:oMath xmlns:m="http://schemas.openxmlformats.org/officeDocument/2006/math">
+                      <m:sSub>
+                        <m:sSubPr>
+                          <m:ctrlPr>
+                            <a:rPr lang="en-US" altLang="ko-KR" i="1" smtClean="0">
+                              <a:latin typeface="Cambria Math" panose="02040503050406030204" pitchFamily="18" charset="0"/>
+                            </a:rPr>
+                          </m:ctrlPr>
+                        </m:sSubPr>
+                        <m:e>
+                          <m:r>
+                            <a:rPr lang="en-US" altLang="ko-KR" b="0" i="1" smtClean="0">
+                              <a:latin typeface="Cambria Math" panose="02040503050406030204" pitchFamily="18" charset="0"/>
+                            </a:rPr>
+                            <m:t>𝑑</m:t>
+                          </m:r>
+                        </m:e>
+                        <m:sub>
+                          <m:r>
+                            <a:rPr lang="en-US" altLang="ko-KR" b="0" i="1" smtClean="0">
+                              <a:latin typeface="Cambria Math" panose="02040503050406030204" pitchFamily="18" charset="0"/>
+                            </a:rPr>
+                            <m:t>1</m:t>
+                          </m:r>
+                        </m:sub>
+                      </m:sSub>
+                    </m:oMath>
+                  </m:oMathPara>
+                </a14:m>
+                <a:endParaRPr lang="ko-KR" altLang="en-US" dirty="0"/>
+              </a:p>
+            </p:txBody>
+          </p:sp>
+        </mc:Choice>
+        <mc:Fallback>
+          <p:sp>
+            <p:nvSpPr>
+              <p:cNvPr id="6" name="TextBox 5"/>
+              <p:cNvSpPr txBox="1">
+                <a:spLocks noRot="1" noChangeAspect="1" noMove="1" noResize="1" noEditPoints="1" noAdjustHandles="1" noChangeArrowheads="1" noChangeShapeType="1" noTextEdit="1"/>
+              </p:cNvSpPr>
+              <p:nvPr/>
+            </p:nvSpPr>
+            <p:spPr>
+              <a:xfrm>
+                <a:off x="193373" y="2824480"/>
+                <a:ext cx="3149267" cy="374526"/>
+              </a:xfrm>
+              <a:prstGeom prst="rect">
+                <a:avLst/>
+              </a:prstGeom>
+              <a:blipFill>
+                <a:blip r:embed="rId4"/>
+                <a:stretch>
+                  <a:fillRect/>
+                </a:stretch>
+              </a:blipFill>
+            </p:spPr>
+            <p:txBody>
+              <a:bodyPr/>
+              <a:lstStyle/>
+              <a:p>
+                <a:r>
+                  <a:rPr lang="ko-KR" altLang="en-US">
+                    <a:noFill/>
+                  </a:rPr>
+                  <a:t> </a:t>
+                </a:r>
+              </a:p>
+            </p:txBody>
+          </p:sp>
+        </mc:Fallback>
+      </mc:AlternateContent>
+      <p:pic>
+        <p:nvPicPr>
+          <p:cNvPr id="7" name="그림 6"/>
+          <p:cNvPicPr>
+            <a:picLocks noChangeAspect="1"/>
+          </p:cNvPicPr>
+          <p:nvPr/>
+        </p:nvPicPr>
+        <p:blipFill>
+          <a:blip r:embed="rId5"/>
+          <a:stretch>
+            <a:fillRect/>
+          </a:stretch>
+        </p:blipFill>
+        <p:spPr>
+          <a:xfrm>
+            <a:off x="368418" y="3434226"/>
+            <a:ext cx="3705742" cy="2448267"/>
           </a:xfrm>
           <a:prstGeom prst="rect">
             <a:avLst/>

--- a/image/이미지_생성용.pptx
+++ b/image/이미지_생성용.pptx
@@ -243,7 +243,7 @@
           <a:p>
             <a:fld id="{8484631F-0FD4-43A5-BAC0-679E520DF569}" type="datetimeFigureOut">
               <a:rPr lang="ko-KR" altLang="en-US" smtClean="0"/>
-              <a:t>2025-11-19</a:t>
+              <a:t>2025-11-20</a:t>
             </a:fld>
             <a:endParaRPr lang="ko-KR" altLang="en-US"/>
           </a:p>
@@ -413,7 +413,7 @@
           <a:p>
             <a:fld id="{8484631F-0FD4-43A5-BAC0-679E520DF569}" type="datetimeFigureOut">
               <a:rPr lang="ko-KR" altLang="en-US" smtClean="0"/>
-              <a:t>2025-11-19</a:t>
+              <a:t>2025-11-20</a:t>
             </a:fld>
             <a:endParaRPr lang="ko-KR" altLang="en-US"/>
           </a:p>
@@ -593,7 +593,7 @@
           <a:p>
             <a:fld id="{8484631F-0FD4-43A5-BAC0-679E520DF569}" type="datetimeFigureOut">
               <a:rPr lang="ko-KR" altLang="en-US" smtClean="0"/>
-              <a:t>2025-11-19</a:t>
+              <a:t>2025-11-20</a:t>
             </a:fld>
             <a:endParaRPr lang="ko-KR" altLang="en-US"/>
           </a:p>
@@ -763,7 +763,7 @@
           <a:p>
             <a:fld id="{8484631F-0FD4-43A5-BAC0-679E520DF569}" type="datetimeFigureOut">
               <a:rPr lang="ko-KR" altLang="en-US" smtClean="0"/>
-              <a:t>2025-11-19</a:t>
+              <a:t>2025-11-20</a:t>
             </a:fld>
             <a:endParaRPr lang="ko-KR" altLang="en-US"/>
           </a:p>
@@ -1009,7 +1009,7 @@
           <a:p>
             <a:fld id="{8484631F-0FD4-43A5-BAC0-679E520DF569}" type="datetimeFigureOut">
               <a:rPr lang="ko-KR" altLang="en-US" smtClean="0"/>
-              <a:t>2025-11-19</a:t>
+              <a:t>2025-11-20</a:t>
             </a:fld>
             <a:endParaRPr lang="ko-KR" altLang="en-US"/>
           </a:p>
@@ -1241,7 +1241,7 @@
           <a:p>
             <a:fld id="{8484631F-0FD4-43A5-BAC0-679E520DF569}" type="datetimeFigureOut">
               <a:rPr lang="ko-KR" altLang="en-US" smtClean="0"/>
-              <a:t>2025-11-19</a:t>
+              <a:t>2025-11-20</a:t>
             </a:fld>
             <a:endParaRPr lang="ko-KR" altLang="en-US"/>
           </a:p>
@@ -1608,7 +1608,7 @@
           <a:p>
             <a:fld id="{8484631F-0FD4-43A5-BAC0-679E520DF569}" type="datetimeFigureOut">
               <a:rPr lang="ko-KR" altLang="en-US" smtClean="0"/>
-              <a:t>2025-11-19</a:t>
+              <a:t>2025-11-20</a:t>
             </a:fld>
             <a:endParaRPr lang="ko-KR" altLang="en-US"/>
           </a:p>
@@ -1726,7 +1726,7 @@
           <a:p>
             <a:fld id="{8484631F-0FD4-43A5-BAC0-679E520DF569}" type="datetimeFigureOut">
               <a:rPr lang="ko-KR" altLang="en-US" smtClean="0"/>
-              <a:t>2025-11-19</a:t>
+              <a:t>2025-11-20</a:t>
             </a:fld>
             <a:endParaRPr lang="ko-KR" altLang="en-US"/>
           </a:p>
@@ -1821,7 +1821,7 @@
           <a:p>
             <a:fld id="{8484631F-0FD4-43A5-BAC0-679E520DF569}" type="datetimeFigureOut">
               <a:rPr lang="ko-KR" altLang="en-US" smtClean="0"/>
-              <a:t>2025-11-19</a:t>
+              <a:t>2025-11-20</a:t>
             </a:fld>
             <a:endParaRPr lang="ko-KR" altLang="en-US"/>
           </a:p>
@@ -2098,7 +2098,7 @@
           <a:p>
             <a:fld id="{8484631F-0FD4-43A5-BAC0-679E520DF569}" type="datetimeFigureOut">
               <a:rPr lang="ko-KR" altLang="en-US" smtClean="0"/>
-              <a:t>2025-11-19</a:t>
+              <a:t>2025-11-20</a:t>
             </a:fld>
             <a:endParaRPr lang="ko-KR" altLang="en-US"/>
           </a:p>
@@ -2351,7 +2351,7 @@
           <a:p>
             <a:fld id="{8484631F-0FD4-43A5-BAC0-679E520DF569}" type="datetimeFigureOut">
               <a:rPr lang="ko-KR" altLang="en-US" smtClean="0"/>
-              <a:t>2025-11-19</a:t>
+              <a:t>2025-11-20</a:t>
             </a:fld>
             <a:endParaRPr lang="ko-KR" altLang="en-US"/>
           </a:p>
@@ -2564,7 +2564,7 @@
           <a:p>
             <a:fld id="{8484631F-0FD4-43A5-BAC0-679E520DF569}" type="datetimeFigureOut">
               <a:rPr lang="ko-KR" altLang="en-US" smtClean="0"/>
-              <a:t>2025-11-19</a:t>
+              <a:t>2025-11-20</a:t>
             </a:fld>
             <a:endParaRPr lang="ko-KR" altLang="en-US"/>
           </a:p>
@@ -3022,8 +3022,8 @@
           </a:prstGeom>
         </p:spPr>
       </p:pic>
-      <mc:AlternateContent xmlns:mc="http://schemas.openxmlformats.org/markup-compatibility/2006">
-        <mc:Choice xmlns:a14="http://schemas.microsoft.com/office/drawing/2010/main" Requires="a14">
+      <mc:AlternateContent xmlns:mc="http://schemas.openxmlformats.org/markup-compatibility/2006" xmlns:a14="http://schemas.microsoft.com/office/drawing/2010/main">
+        <mc:Choice Requires="a14">
           <p:sp>
             <p:nvSpPr>
               <p:cNvPr id="6" name="TextBox 5"/>
@@ -3046,6 +3046,7 @@
               </a:bodyPr>
               <a:lstStyle/>
               <a:p>
+                <a:pPr/>
                 <a14:m>
                   <m:oMathPara xmlns:m="http://schemas.openxmlformats.org/officeDocument/2006/math">
                     <m:oMathParaPr>
@@ -3085,7 +3086,7 @@
             </p:txBody>
           </p:sp>
         </mc:Choice>
-        <mc:Fallback>
+        <mc:Fallback xmlns="">
           <p:sp>
             <p:nvSpPr>
               <p:cNvPr id="6" name="TextBox 5"/>
@@ -3142,6 +3143,54 @@
           <a:xfrm>
             <a:off x="368418" y="3434226"/>
             <a:ext cx="3705742" cy="2448267"/>
+          </a:xfrm>
+          <a:prstGeom prst="rect">
+            <a:avLst/>
+          </a:prstGeom>
+        </p:spPr>
+      </p:pic>
+      <p:pic>
+        <p:nvPicPr>
+          <p:cNvPr id="3" name="그림 2"/>
+          <p:cNvPicPr>
+            <a:picLocks noChangeAspect="1"/>
+          </p:cNvPicPr>
+          <p:nvPr/>
+        </p:nvPicPr>
+        <p:blipFill>
+          <a:blip r:embed="rId6"/>
+          <a:stretch>
+            <a:fillRect/>
+          </a:stretch>
+        </p:blipFill>
+        <p:spPr>
+          <a:xfrm>
+            <a:off x="4447595" y="3296094"/>
+            <a:ext cx="5001323" cy="1362265"/>
+          </a:xfrm>
+          <a:prstGeom prst="rect">
+            <a:avLst/>
+          </a:prstGeom>
+        </p:spPr>
+      </p:pic>
+      <p:pic>
+        <p:nvPicPr>
+          <p:cNvPr id="4" name="그림 3"/>
+          <p:cNvPicPr>
+            <a:picLocks noChangeAspect="1"/>
+          </p:cNvPicPr>
+          <p:nvPr/>
+        </p:nvPicPr>
+        <p:blipFill>
+          <a:blip r:embed="rId7"/>
+          <a:stretch>
+            <a:fillRect/>
+          </a:stretch>
+        </p:blipFill>
+        <p:spPr>
+          <a:xfrm>
+            <a:off x="4447595" y="4631210"/>
+            <a:ext cx="2829320" cy="1286054"/>
           </a:xfrm>
           <a:prstGeom prst="rect">
             <a:avLst/>

--- a/image/이미지_생성용.pptx
+++ b/image/이미지_생성용.pptx
@@ -6,6 +6,7 @@
   </p:sldMasterIdLst>
   <p:sldIdLst>
     <p:sldId id="256" r:id="rId2"/>
+    <p:sldId id="257" r:id="rId3"/>
   </p:sldIdLst>
   <p:sldSz cx="12192000" cy="6858000"/>
   <p:notesSz cx="6858000" cy="9144000"/>
@@ -243,7 +244,7 @@
           <a:p>
             <a:fld id="{8484631F-0FD4-43A5-BAC0-679E520DF569}" type="datetimeFigureOut">
               <a:rPr lang="ko-KR" altLang="en-US" smtClean="0"/>
-              <a:t>2025-11-20</a:t>
+              <a:t>2025-11-21</a:t>
             </a:fld>
             <a:endParaRPr lang="ko-KR" altLang="en-US"/>
           </a:p>
@@ -413,7 +414,7 @@
           <a:p>
             <a:fld id="{8484631F-0FD4-43A5-BAC0-679E520DF569}" type="datetimeFigureOut">
               <a:rPr lang="ko-KR" altLang="en-US" smtClean="0"/>
-              <a:t>2025-11-20</a:t>
+              <a:t>2025-11-21</a:t>
             </a:fld>
             <a:endParaRPr lang="ko-KR" altLang="en-US"/>
           </a:p>
@@ -593,7 +594,7 @@
           <a:p>
             <a:fld id="{8484631F-0FD4-43A5-BAC0-679E520DF569}" type="datetimeFigureOut">
               <a:rPr lang="ko-KR" altLang="en-US" smtClean="0"/>
-              <a:t>2025-11-20</a:t>
+              <a:t>2025-11-21</a:t>
             </a:fld>
             <a:endParaRPr lang="ko-KR" altLang="en-US"/>
           </a:p>
@@ -763,7 +764,7 @@
           <a:p>
             <a:fld id="{8484631F-0FD4-43A5-BAC0-679E520DF569}" type="datetimeFigureOut">
               <a:rPr lang="ko-KR" altLang="en-US" smtClean="0"/>
-              <a:t>2025-11-20</a:t>
+              <a:t>2025-11-21</a:t>
             </a:fld>
             <a:endParaRPr lang="ko-KR" altLang="en-US"/>
           </a:p>
@@ -1009,7 +1010,7 @@
           <a:p>
             <a:fld id="{8484631F-0FD4-43A5-BAC0-679E520DF569}" type="datetimeFigureOut">
               <a:rPr lang="ko-KR" altLang="en-US" smtClean="0"/>
-              <a:t>2025-11-20</a:t>
+              <a:t>2025-11-21</a:t>
             </a:fld>
             <a:endParaRPr lang="ko-KR" altLang="en-US"/>
           </a:p>
@@ -1241,7 +1242,7 @@
           <a:p>
             <a:fld id="{8484631F-0FD4-43A5-BAC0-679E520DF569}" type="datetimeFigureOut">
               <a:rPr lang="ko-KR" altLang="en-US" smtClean="0"/>
-              <a:t>2025-11-20</a:t>
+              <a:t>2025-11-21</a:t>
             </a:fld>
             <a:endParaRPr lang="ko-KR" altLang="en-US"/>
           </a:p>
@@ -1608,7 +1609,7 @@
           <a:p>
             <a:fld id="{8484631F-0FD4-43A5-BAC0-679E520DF569}" type="datetimeFigureOut">
               <a:rPr lang="ko-KR" altLang="en-US" smtClean="0"/>
-              <a:t>2025-11-20</a:t>
+              <a:t>2025-11-21</a:t>
             </a:fld>
             <a:endParaRPr lang="ko-KR" altLang="en-US"/>
           </a:p>
@@ -1726,7 +1727,7 @@
           <a:p>
             <a:fld id="{8484631F-0FD4-43A5-BAC0-679E520DF569}" type="datetimeFigureOut">
               <a:rPr lang="ko-KR" altLang="en-US" smtClean="0"/>
-              <a:t>2025-11-20</a:t>
+              <a:t>2025-11-21</a:t>
             </a:fld>
             <a:endParaRPr lang="ko-KR" altLang="en-US"/>
           </a:p>
@@ -1821,7 +1822,7 @@
           <a:p>
             <a:fld id="{8484631F-0FD4-43A5-BAC0-679E520DF569}" type="datetimeFigureOut">
               <a:rPr lang="ko-KR" altLang="en-US" smtClean="0"/>
-              <a:t>2025-11-20</a:t>
+              <a:t>2025-11-21</a:t>
             </a:fld>
             <a:endParaRPr lang="ko-KR" altLang="en-US"/>
           </a:p>
@@ -2098,7 +2099,7 @@
           <a:p>
             <a:fld id="{8484631F-0FD4-43A5-BAC0-679E520DF569}" type="datetimeFigureOut">
               <a:rPr lang="ko-KR" altLang="en-US" smtClean="0"/>
-              <a:t>2025-11-20</a:t>
+              <a:t>2025-11-21</a:t>
             </a:fld>
             <a:endParaRPr lang="ko-KR" altLang="en-US"/>
           </a:p>
@@ -2351,7 +2352,7 @@
           <a:p>
             <a:fld id="{8484631F-0FD4-43A5-BAC0-679E520DF569}" type="datetimeFigureOut">
               <a:rPr lang="ko-KR" altLang="en-US" smtClean="0"/>
-              <a:t>2025-11-20</a:t>
+              <a:t>2025-11-21</a:t>
             </a:fld>
             <a:endParaRPr lang="ko-KR" altLang="en-US"/>
           </a:p>
@@ -2564,7 +2565,7 @@
           <a:p>
             <a:fld id="{8484631F-0FD4-43A5-BAC0-679E520DF569}" type="datetimeFigureOut">
               <a:rPr lang="ko-KR" altLang="en-US" smtClean="0"/>
-              <a:t>2025-11-20</a:t>
+              <a:t>2025-11-21</a:t>
             </a:fld>
             <a:endParaRPr lang="ko-KR" altLang="en-US"/>
           </a:p>
@@ -3210,6 +3211,60 @@
 </p:sld>
 </file>
 
+<file path=ppt/slides/slide2.xml><?xml version="1.0" encoding="utf-8"?>
+<p:sld xmlns:a="http://schemas.openxmlformats.org/drawingml/2006/main" xmlns:r="http://schemas.openxmlformats.org/officeDocument/2006/relationships" xmlns:p="http://schemas.openxmlformats.org/presentationml/2006/main">
+  <p:cSld>
+    <p:spTree>
+      <p:nvGrpSpPr>
+        <p:cNvPr id="1" name=""/>
+        <p:cNvGrpSpPr/>
+        <p:nvPr/>
+      </p:nvGrpSpPr>
+      <p:grpSpPr>
+        <a:xfrm>
+          <a:off x="0" y="0"/>
+          <a:ext cx="0" cy="0"/>
+          <a:chOff x="0" y="0"/>
+          <a:chExt cx="0" cy="0"/>
+        </a:xfrm>
+      </p:grpSpPr>
+      <p:pic>
+        <p:nvPicPr>
+          <p:cNvPr id="4" name="그림 3"/>
+          <p:cNvPicPr>
+            <a:picLocks noChangeAspect="1"/>
+          </p:cNvPicPr>
+          <p:nvPr/>
+        </p:nvPicPr>
+        <p:blipFill>
+          <a:blip r:embed="rId2"/>
+          <a:stretch>
+            <a:fillRect/>
+          </a:stretch>
+        </p:blipFill>
+        <p:spPr>
+          <a:xfrm>
+            <a:off x="280298" y="234246"/>
+            <a:ext cx="5239481" cy="2572109"/>
+          </a:xfrm>
+          <a:prstGeom prst="rect">
+            <a:avLst/>
+          </a:prstGeom>
+        </p:spPr>
+      </p:pic>
+    </p:spTree>
+    <p:extLst>
+      <p:ext uri="{BB962C8B-B14F-4D97-AF65-F5344CB8AC3E}">
+        <p14:creationId xmlns:p14="http://schemas.microsoft.com/office/powerpoint/2010/main" val="3822979049"/>
+      </p:ext>
+    </p:extLst>
+  </p:cSld>
+  <p:clrMapOvr>
+    <a:masterClrMapping/>
+  </p:clrMapOvr>
+</p:sld>
+</file>
+
 <file path=ppt/theme/theme1.xml><?xml version="1.0" encoding="utf-8"?>
 <a:theme xmlns:a="http://schemas.openxmlformats.org/drawingml/2006/main" name="Office 테마">
   <a:themeElements>

--- a/image/이미지_생성용.pptx
+++ b/image/이미지_생성용.pptx
@@ -7,6 +7,7 @@
   <p:sldIdLst>
     <p:sldId id="256" r:id="rId2"/>
     <p:sldId id="257" r:id="rId3"/>
+    <p:sldId id="258" r:id="rId4"/>
   </p:sldIdLst>
   <p:sldSz cx="12192000" cy="6858000"/>
   <p:notesSz cx="6858000" cy="9144000"/>
@@ -244,7 +245,7 @@
           <a:p>
             <a:fld id="{8484631F-0FD4-43A5-BAC0-679E520DF569}" type="datetimeFigureOut">
               <a:rPr lang="ko-KR" altLang="en-US" smtClean="0"/>
-              <a:t>2025-11-21</a:t>
+              <a:t>2025-11-22</a:t>
             </a:fld>
             <a:endParaRPr lang="ko-KR" altLang="en-US"/>
           </a:p>
@@ -414,7 +415,7 @@
           <a:p>
             <a:fld id="{8484631F-0FD4-43A5-BAC0-679E520DF569}" type="datetimeFigureOut">
               <a:rPr lang="ko-KR" altLang="en-US" smtClean="0"/>
-              <a:t>2025-11-21</a:t>
+              <a:t>2025-11-22</a:t>
             </a:fld>
             <a:endParaRPr lang="ko-KR" altLang="en-US"/>
           </a:p>
@@ -594,7 +595,7 @@
           <a:p>
             <a:fld id="{8484631F-0FD4-43A5-BAC0-679E520DF569}" type="datetimeFigureOut">
               <a:rPr lang="ko-KR" altLang="en-US" smtClean="0"/>
-              <a:t>2025-11-21</a:t>
+              <a:t>2025-11-22</a:t>
             </a:fld>
             <a:endParaRPr lang="ko-KR" altLang="en-US"/>
           </a:p>
@@ -764,7 +765,7 @@
           <a:p>
             <a:fld id="{8484631F-0FD4-43A5-BAC0-679E520DF569}" type="datetimeFigureOut">
               <a:rPr lang="ko-KR" altLang="en-US" smtClean="0"/>
-              <a:t>2025-11-21</a:t>
+              <a:t>2025-11-22</a:t>
             </a:fld>
             <a:endParaRPr lang="ko-KR" altLang="en-US"/>
           </a:p>
@@ -1010,7 +1011,7 @@
           <a:p>
             <a:fld id="{8484631F-0FD4-43A5-BAC0-679E520DF569}" type="datetimeFigureOut">
               <a:rPr lang="ko-KR" altLang="en-US" smtClean="0"/>
-              <a:t>2025-11-21</a:t>
+              <a:t>2025-11-22</a:t>
             </a:fld>
             <a:endParaRPr lang="ko-KR" altLang="en-US"/>
           </a:p>
@@ -1242,7 +1243,7 @@
           <a:p>
             <a:fld id="{8484631F-0FD4-43A5-BAC0-679E520DF569}" type="datetimeFigureOut">
               <a:rPr lang="ko-KR" altLang="en-US" smtClean="0"/>
-              <a:t>2025-11-21</a:t>
+              <a:t>2025-11-22</a:t>
             </a:fld>
             <a:endParaRPr lang="ko-KR" altLang="en-US"/>
           </a:p>
@@ -1609,7 +1610,7 @@
           <a:p>
             <a:fld id="{8484631F-0FD4-43A5-BAC0-679E520DF569}" type="datetimeFigureOut">
               <a:rPr lang="ko-KR" altLang="en-US" smtClean="0"/>
-              <a:t>2025-11-21</a:t>
+              <a:t>2025-11-22</a:t>
             </a:fld>
             <a:endParaRPr lang="ko-KR" altLang="en-US"/>
           </a:p>
@@ -1727,7 +1728,7 @@
           <a:p>
             <a:fld id="{8484631F-0FD4-43A5-BAC0-679E520DF569}" type="datetimeFigureOut">
               <a:rPr lang="ko-KR" altLang="en-US" smtClean="0"/>
-              <a:t>2025-11-21</a:t>
+              <a:t>2025-11-22</a:t>
             </a:fld>
             <a:endParaRPr lang="ko-KR" altLang="en-US"/>
           </a:p>
@@ -1822,7 +1823,7 @@
           <a:p>
             <a:fld id="{8484631F-0FD4-43A5-BAC0-679E520DF569}" type="datetimeFigureOut">
               <a:rPr lang="ko-KR" altLang="en-US" smtClean="0"/>
-              <a:t>2025-11-21</a:t>
+              <a:t>2025-11-22</a:t>
             </a:fld>
             <a:endParaRPr lang="ko-KR" altLang="en-US"/>
           </a:p>
@@ -2099,7 +2100,7 @@
           <a:p>
             <a:fld id="{8484631F-0FD4-43A5-BAC0-679E520DF569}" type="datetimeFigureOut">
               <a:rPr lang="ko-KR" altLang="en-US" smtClean="0"/>
-              <a:t>2025-11-21</a:t>
+              <a:t>2025-11-22</a:t>
             </a:fld>
             <a:endParaRPr lang="ko-KR" altLang="en-US"/>
           </a:p>
@@ -2352,7 +2353,7 @@
           <a:p>
             <a:fld id="{8484631F-0FD4-43A5-BAC0-679E520DF569}" type="datetimeFigureOut">
               <a:rPr lang="ko-KR" altLang="en-US" smtClean="0"/>
-              <a:t>2025-11-21</a:t>
+              <a:t>2025-11-22</a:t>
             </a:fld>
             <a:endParaRPr lang="ko-KR" altLang="en-US"/>
           </a:p>
@@ -2565,7 +2566,7 @@
           <a:p>
             <a:fld id="{8484631F-0FD4-43A5-BAC0-679E520DF569}" type="datetimeFigureOut">
               <a:rPr lang="ko-KR" altLang="en-US" smtClean="0"/>
-              <a:t>2025-11-21</a:t>
+              <a:t>2025-11-22</a:t>
             </a:fld>
             <a:endParaRPr lang="ko-KR" altLang="en-US"/>
           </a:p>
@@ -3252,10 +3253,268 @@
           </a:prstGeom>
         </p:spPr>
       </p:pic>
+      <p:pic>
+        <p:nvPicPr>
+          <p:cNvPr id="2" name="그림 1"/>
+          <p:cNvPicPr>
+            <a:picLocks noChangeAspect="1"/>
+          </p:cNvPicPr>
+          <p:nvPr/>
+        </p:nvPicPr>
+        <p:blipFill>
+          <a:blip r:embed="rId3"/>
+          <a:stretch>
+            <a:fillRect/>
+          </a:stretch>
+        </p:blipFill>
+        <p:spPr>
+          <a:xfrm>
+            <a:off x="5795049" y="234246"/>
+            <a:ext cx="3460969" cy="1979996"/>
+          </a:xfrm>
+          <a:prstGeom prst="rect">
+            <a:avLst/>
+          </a:prstGeom>
+        </p:spPr>
+      </p:pic>
+      <mc:AlternateContent xmlns:mc="http://schemas.openxmlformats.org/markup-compatibility/2006">
+        <mc:Choice xmlns:a14="http://schemas.microsoft.com/office/drawing/2010/main" Requires="a14">
+          <p:sp>
+            <p:nvSpPr>
+              <p:cNvPr id="3" name="TextBox 2"/>
+              <p:cNvSpPr txBox="1"/>
+              <p:nvPr/>
+            </p:nvSpPr>
+            <p:spPr>
+              <a:xfrm>
+                <a:off x="1082518" y="3477180"/>
+                <a:ext cx="4563799" cy="369332"/>
+              </a:xfrm>
+              <a:prstGeom prst="rect">
+                <a:avLst/>
+              </a:prstGeom>
+              <a:noFill/>
+            </p:spPr>
+            <p:txBody>
+              <a:bodyPr wrap="square" rtlCol="0">
+                <a:spAutoFit/>
+              </a:bodyPr>
+              <a:lstStyle/>
+              <a:p>
+                <a14:m>
+                  <m:oMathPara xmlns:m="http://schemas.openxmlformats.org/officeDocument/2006/math">
+                    <m:oMathParaPr>
+                      <m:jc m:val="centerGroup"/>
+                    </m:oMathParaPr>
+                    <m:oMath xmlns:m="http://schemas.openxmlformats.org/officeDocument/2006/math">
+                      <m:sSup>
+                        <m:sSupPr>
+                          <m:ctrlPr>
+                            <a:rPr lang="en-US" altLang="ko-KR" i="1" smtClean="0">
+                              <a:latin typeface="Cambria Math" panose="02040503050406030204" pitchFamily="18" charset="0"/>
+                            </a:rPr>
+                          </m:ctrlPr>
+                        </m:sSupPr>
+                        <m:e>
+                          <m:r>
+                            <a:rPr lang="en-US" altLang="ko-KR" b="0" i="1" smtClean="0">
+                              <a:latin typeface="Cambria Math" panose="02040503050406030204" pitchFamily="18" charset="0"/>
+                            </a:rPr>
+                            <m:t>𝑒</m:t>
+                          </m:r>
+                        </m:e>
+                        <m:sup>
+                          <m:r>
+                            <a:rPr lang="en-US" altLang="ko-KR" b="0" i="1" smtClean="0">
+                              <a:latin typeface="Cambria Math" panose="02040503050406030204" pitchFamily="18" charset="0"/>
+                            </a:rPr>
+                            <m:t>−</m:t>
+                          </m:r>
+                          <m:r>
+                            <a:rPr lang="en-US" altLang="ko-KR" b="0" i="1" smtClean="0">
+                              <a:latin typeface="Cambria Math" panose="02040503050406030204" pitchFamily="18" charset="0"/>
+                            </a:rPr>
+                            <m:t>𝑧</m:t>
+                          </m:r>
+                        </m:sup>
+                      </m:sSup>
+                    </m:oMath>
+                  </m:oMathPara>
+                </a14:m>
+                <a:endParaRPr lang="ko-KR" altLang="en-US" dirty="0"/>
+              </a:p>
+            </p:txBody>
+          </p:sp>
+        </mc:Choice>
+        <mc:Fallback>
+          <p:sp>
+            <p:nvSpPr>
+              <p:cNvPr id="3" name="TextBox 2"/>
+              <p:cNvSpPr txBox="1">
+                <a:spLocks noRot="1" noChangeAspect="1" noMove="1" noResize="1" noEditPoints="1" noAdjustHandles="1" noChangeArrowheads="1" noChangeShapeType="1" noTextEdit="1"/>
+              </p:cNvSpPr>
+              <p:nvPr/>
+            </p:nvSpPr>
+            <p:spPr>
+              <a:xfrm>
+                <a:off x="1082518" y="3477180"/>
+                <a:ext cx="4563799" cy="369332"/>
+              </a:xfrm>
+              <a:prstGeom prst="rect">
+                <a:avLst/>
+              </a:prstGeom>
+              <a:blipFill>
+                <a:blip r:embed="rId4"/>
+                <a:stretch>
+                  <a:fillRect/>
+                </a:stretch>
+              </a:blipFill>
+            </p:spPr>
+            <p:txBody>
+              <a:bodyPr/>
+              <a:lstStyle/>
+              <a:p>
+                <a:r>
+                  <a:rPr lang="ko-KR" altLang="en-US">
+                    <a:noFill/>
+                  </a:rPr>
+                  <a:t> </a:t>
+                </a:r>
+              </a:p>
+            </p:txBody>
+          </p:sp>
+        </mc:Fallback>
+      </mc:AlternateContent>
+      <p:pic>
+        <p:nvPicPr>
+          <p:cNvPr id="5" name="그림 4"/>
+          <p:cNvPicPr>
+            <a:picLocks noChangeAspect="1"/>
+          </p:cNvPicPr>
+          <p:nvPr/>
+        </p:nvPicPr>
+        <p:blipFill>
+          <a:blip r:embed="rId5"/>
+          <a:stretch>
+            <a:fillRect/>
+          </a:stretch>
+        </p:blipFill>
+        <p:spPr>
+          <a:xfrm>
+            <a:off x="517772" y="2934597"/>
+            <a:ext cx="3710224" cy="2227868"/>
+          </a:xfrm>
+          <a:prstGeom prst="rect">
+            <a:avLst/>
+          </a:prstGeom>
+        </p:spPr>
+      </p:pic>
+      <p:pic>
+        <p:nvPicPr>
+          <p:cNvPr id="7" name="그림 6"/>
+          <p:cNvPicPr>
+            <a:picLocks noChangeAspect="1"/>
+          </p:cNvPicPr>
+          <p:nvPr/>
+        </p:nvPicPr>
+        <p:blipFill>
+          <a:blip r:embed="rId6"/>
+          <a:stretch>
+            <a:fillRect/>
+          </a:stretch>
+        </p:blipFill>
+        <p:spPr>
+          <a:xfrm>
+            <a:off x="4053123" y="3013230"/>
+            <a:ext cx="2683399" cy="1110372"/>
+          </a:xfrm>
+          <a:prstGeom prst="rect">
+            <a:avLst/>
+          </a:prstGeom>
+        </p:spPr>
+      </p:pic>
+      <p:pic>
+        <p:nvPicPr>
+          <p:cNvPr id="8" name="그림 7"/>
+          <p:cNvPicPr>
+            <a:picLocks noChangeAspect="1"/>
+          </p:cNvPicPr>
+          <p:nvPr/>
+        </p:nvPicPr>
+        <p:blipFill>
+          <a:blip r:embed="rId7"/>
+          <a:stretch>
+            <a:fillRect/>
+          </a:stretch>
+        </p:blipFill>
+        <p:spPr>
+          <a:xfrm>
+            <a:off x="6934760" y="3013230"/>
+            <a:ext cx="2857575" cy="1817962"/>
+          </a:xfrm>
+          <a:prstGeom prst="rect">
+            <a:avLst/>
+          </a:prstGeom>
+        </p:spPr>
+      </p:pic>
     </p:spTree>
     <p:extLst>
       <p:ext uri="{BB962C8B-B14F-4D97-AF65-F5344CB8AC3E}">
         <p14:creationId xmlns:p14="http://schemas.microsoft.com/office/powerpoint/2010/main" val="3822979049"/>
+      </p:ext>
+    </p:extLst>
+  </p:cSld>
+  <p:clrMapOvr>
+    <a:masterClrMapping/>
+  </p:clrMapOvr>
+</p:sld>
+</file>
+
+<file path=ppt/slides/slide3.xml><?xml version="1.0" encoding="utf-8"?>
+<p:sld xmlns:a="http://schemas.openxmlformats.org/drawingml/2006/main" xmlns:r="http://schemas.openxmlformats.org/officeDocument/2006/relationships" xmlns:p="http://schemas.openxmlformats.org/presentationml/2006/main">
+  <p:cSld>
+    <p:spTree>
+      <p:nvGrpSpPr>
+        <p:cNvPr id="1" name=""/>
+        <p:cNvGrpSpPr/>
+        <p:nvPr/>
+      </p:nvGrpSpPr>
+      <p:grpSpPr>
+        <a:xfrm>
+          <a:off x="0" y="0"/>
+          <a:ext cx="0" cy="0"/>
+          <a:chOff x="0" y="0"/>
+          <a:chExt cx="0" cy="0"/>
+        </a:xfrm>
+      </p:grpSpPr>
+      <p:pic>
+        <p:nvPicPr>
+          <p:cNvPr id="4" name="그림 3"/>
+          <p:cNvPicPr>
+            <a:picLocks noChangeAspect="1"/>
+          </p:cNvPicPr>
+          <p:nvPr/>
+        </p:nvPicPr>
+        <p:blipFill>
+          <a:blip r:embed="rId2"/>
+          <a:stretch>
+            <a:fillRect/>
+          </a:stretch>
+        </p:blipFill>
+        <p:spPr>
+          <a:xfrm>
+            <a:off x="325274" y="84388"/>
+            <a:ext cx="3053523" cy="1834291"/>
+          </a:xfrm>
+          <a:prstGeom prst="rect">
+            <a:avLst/>
+          </a:prstGeom>
+        </p:spPr>
+      </p:pic>
+    </p:spTree>
+    <p:extLst>
+      <p:ext uri="{BB962C8B-B14F-4D97-AF65-F5344CB8AC3E}">
+        <p14:creationId xmlns:p14="http://schemas.microsoft.com/office/powerpoint/2010/main" val="3963893147"/>
       </p:ext>
     </p:extLst>
   </p:cSld>

--- a/image/이미지_생성용.pptx
+++ b/image/이미지_생성용.pptx
@@ -3511,6 +3511,198 @@
           </a:prstGeom>
         </p:spPr>
       </p:pic>
+      <p:pic>
+        <p:nvPicPr>
+          <p:cNvPr id="5" name="그림 4"/>
+          <p:cNvPicPr>
+            <a:picLocks noChangeAspect="1"/>
+          </p:cNvPicPr>
+          <p:nvPr/>
+        </p:nvPicPr>
+        <p:blipFill>
+          <a:blip r:embed="rId3"/>
+          <a:stretch>
+            <a:fillRect/>
+          </a:stretch>
+        </p:blipFill>
+        <p:spPr>
+          <a:xfrm>
+            <a:off x="3548890" y="84388"/>
+            <a:ext cx="4577563" cy="2443907"/>
+          </a:xfrm>
+          <a:prstGeom prst="rect">
+            <a:avLst/>
+          </a:prstGeom>
+        </p:spPr>
+      </p:pic>
+      <p:pic>
+        <p:nvPicPr>
+          <p:cNvPr id="6" name="그림 5"/>
+          <p:cNvPicPr>
+            <a:picLocks noChangeAspect="1"/>
+          </p:cNvPicPr>
+          <p:nvPr/>
+        </p:nvPicPr>
+        <p:blipFill>
+          <a:blip r:embed="rId4"/>
+          <a:stretch>
+            <a:fillRect/>
+          </a:stretch>
+        </p:blipFill>
+        <p:spPr>
+          <a:xfrm>
+            <a:off x="448065" y="2462681"/>
+            <a:ext cx="2340490" cy="1235561"/>
+          </a:xfrm>
+          <a:prstGeom prst="rect">
+            <a:avLst/>
+          </a:prstGeom>
+        </p:spPr>
+      </p:pic>
+      <p:pic>
+        <p:nvPicPr>
+          <p:cNvPr id="7" name="그림 6"/>
+          <p:cNvPicPr>
+            <a:picLocks noChangeAspect="1"/>
+          </p:cNvPicPr>
+          <p:nvPr/>
+        </p:nvPicPr>
+        <p:blipFill>
+          <a:blip r:embed="rId5"/>
+          <a:stretch>
+            <a:fillRect/>
+          </a:stretch>
+        </p:blipFill>
+        <p:spPr>
+          <a:xfrm>
+            <a:off x="3212762" y="2620460"/>
+            <a:ext cx="4626550" cy="1502268"/>
+          </a:xfrm>
+          <a:prstGeom prst="rect">
+            <a:avLst/>
+          </a:prstGeom>
+        </p:spPr>
+      </p:pic>
+      <p:pic>
+        <p:nvPicPr>
+          <p:cNvPr id="8" name="그림 7"/>
+          <p:cNvPicPr>
+            <a:picLocks noChangeAspect="1"/>
+          </p:cNvPicPr>
+          <p:nvPr/>
+        </p:nvPicPr>
+        <p:blipFill>
+          <a:blip r:embed="rId6"/>
+          <a:stretch>
+            <a:fillRect/>
+          </a:stretch>
+        </p:blipFill>
+        <p:spPr>
+          <a:xfrm>
+            <a:off x="8498010" y="319236"/>
+            <a:ext cx="2683399" cy="1110372"/>
+          </a:xfrm>
+          <a:prstGeom prst="rect">
+            <a:avLst/>
+          </a:prstGeom>
+        </p:spPr>
+      </p:pic>
+      <p:pic>
+        <p:nvPicPr>
+          <p:cNvPr id="9" name="그림 8"/>
+          <p:cNvPicPr>
+            <a:picLocks noChangeAspect="1"/>
+          </p:cNvPicPr>
+          <p:nvPr/>
+        </p:nvPicPr>
+        <p:blipFill>
+          <a:blip r:embed="rId7"/>
+          <a:stretch>
+            <a:fillRect/>
+          </a:stretch>
+        </p:blipFill>
+        <p:spPr>
+          <a:xfrm>
+            <a:off x="496615" y="3925995"/>
+            <a:ext cx="2046568" cy="990626"/>
+          </a:xfrm>
+          <a:prstGeom prst="rect">
+            <a:avLst/>
+          </a:prstGeom>
+        </p:spPr>
+      </p:pic>
+      <p:pic>
+        <p:nvPicPr>
+          <p:cNvPr id="10" name="그림 9"/>
+          <p:cNvPicPr>
+            <a:picLocks noChangeAspect="1"/>
+          </p:cNvPicPr>
+          <p:nvPr/>
+        </p:nvPicPr>
+        <p:blipFill>
+          <a:blip r:embed="rId8"/>
+          <a:stretch>
+            <a:fillRect/>
+          </a:stretch>
+        </p:blipFill>
+        <p:spPr>
+          <a:xfrm>
+            <a:off x="3276764" y="4365652"/>
+            <a:ext cx="3293015" cy="1398851"/>
+          </a:xfrm>
+          <a:prstGeom prst="rect">
+            <a:avLst/>
+          </a:prstGeom>
+        </p:spPr>
+      </p:pic>
+      <p:pic>
+        <p:nvPicPr>
+          <p:cNvPr id="11" name="그림 10"/>
+          <p:cNvPicPr>
+            <a:picLocks noChangeAspect="1"/>
+          </p:cNvPicPr>
+          <p:nvPr/>
+        </p:nvPicPr>
+        <p:blipFill>
+          <a:blip r:embed="rId9"/>
+          <a:stretch>
+            <a:fillRect/>
+          </a:stretch>
+        </p:blipFill>
+        <p:spPr>
+          <a:xfrm>
+            <a:off x="8750232" y="2766402"/>
+            <a:ext cx="1170245" cy="751134"/>
+          </a:xfrm>
+          <a:prstGeom prst="rect">
+            <a:avLst/>
+          </a:prstGeom>
+        </p:spPr>
+      </p:pic>
+      <p:pic>
+        <p:nvPicPr>
+          <p:cNvPr id="12" name="그림 11"/>
+          <p:cNvPicPr>
+            <a:picLocks noChangeAspect="1"/>
+          </p:cNvPicPr>
+          <p:nvPr/>
+        </p:nvPicPr>
+        <p:blipFill>
+          <a:blip r:embed="rId10"/>
+          <a:stretch>
+            <a:fillRect/>
+          </a:stretch>
+        </p:blipFill>
+        <p:spPr>
+          <a:xfrm>
+            <a:off x="6829569" y="4184724"/>
+            <a:ext cx="3494406" cy="1170245"/>
+          </a:xfrm>
+          <a:prstGeom prst="rect">
+            <a:avLst/>
+          </a:prstGeom>
+        </p:spPr>
+      </p:pic>
     </p:spTree>
     <p:extLst>
       <p:ext uri="{BB962C8B-B14F-4D97-AF65-F5344CB8AC3E}">

--- a/image/이미지_생성용.pptx
+++ b/image/이미지_생성용.pptx
@@ -8,6 +8,7 @@
     <p:sldId id="256" r:id="rId2"/>
     <p:sldId id="257" r:id="rId3"/>
     <p:sldId id="258" r:id="rId4"/>
+    <p:sldId id="259" r:id="rId5"/>
   </p:sldIdLst>
   <p:sldSz cx="12192000" cy="6858000"/>
   <p:notesSz cx="6858000" cy="9144000"/>
@@ -245,7 +246,7 @@
           <a:p>
             <a:fld id="{8484631F-0FD4-43A5-BAC0-679E520DF569}" type="datetimeFigureOut">
               <a:rPr lang="ko-KR" altLang="en-US" smtClean="0"/>
-              <a:t>2025-11-22</a:t>
+              <a:t>2025-11-23</a:t>
             </a:fld>
             <a:endParaRPr lang="ko-KR" altLang="en-US"/>
           </a:p>
@@ -415,7 +416,7 @@
           <a:p>
             <a:fld id="{8484631F-0FD4-43A5-BAC0-679E520DF569}" type="datetimeFigureOut">
               <a:rPr lang="ko-KR" altLang="en-US" smtClean="0"/>
-              <a:t>2025-11-22</a:t>
+              <a:t>2025-11-23</a:t>
             </a:fld>
             <a:endParaRPr lang="ko-KR" altLang="en-US"/>
           </a:p>
@@ -595,7 +596,7 @@
           <a:p>
             <a:fld id="{8484631F-0FD4-43A5-BAC0-679E520DF569}" type="datetimeFigureOut">
               <a:rPr lang="ko-KR" altLang="en-US" smtClean="0"/>
-              <a:t>2025-11-22</a:t>
+              <a:t>2025-11-23</a:t>
             </a:fld>
             <a:endParaRPr lang="ko-KR" altLang="en-US"/>
           </a:p>
@@ -765,7 +766,7 @@
           <a:p>
             <a:fld id="{8484631F-0FD4-43A5-BAC0-679E520DF569}" type="datetimeFigureOut">
               <a:rPr lang="ko-KR" altLang="en-US" smtClean="0"/>
-              <a:t>2025-11-22</a:t>
+              <a:t>2025-11-23</a:t>
             </a:fld>
             <a:endParaRPr lang="ko-KR" altLang="en-US"/>
           </a:p>
@@ -1011,7 +1012,7 @@
           <a:p>
             <a:fld id="{8484631F-0FD4-43A5-BAC0-679E520DF569}" type="datetimeFigureOut">
               <a:rPr lang="ko-KR" altLang="en-US" smtClean="0"/>
-              <a:t>2025-11-22</a:t>
+              <a:t>2025-11-23</a:t>
             </a:fld>
             <a:endParaRPr lang="ko-KR" altLang="en-US"/>
           </a:p>
@@ -1243,7 +1244,7 @@
           <a:p>
             <a:fld id="{8484631F-0FD4-43A5-BAC0-679E520DF569}" type="datetimeFigureOut">
               <a:rPr lang="ko-KR" altLang="en-US" smtClean="0"/>
-              <a:t>2025-11-22</a:t>
+              <a:t>2025-11-23</a:t>
             </a:fld>
             <a:endParaRPr lang="ko-KR" altLang="en-US"/>
           </a:p>
@@ -1610,7 +1611,7 @@
           <a:p>
             <a:fld id="{8484631F-0FD4-43A5-BAC0-679E520DF569}" type="datetimeFigureOut">
               <a:rPr lang="ko-KR" altLang="en-US" smtClean="0"/>
-              <a:t>2025-11-22</a:t>
+              <a:t>2025-11-23</a:t>
             </a:fld>
             <a:endParaRPr lang="ko-KR" altLang="en-US"/>
           </a:p>
@@ -1728,7 +1729,7 @@
           <a:p>
             <a:fld id="{8484631F-0FD4-43A5-BAC0-679E520DF569}" type="datetimeFigureOut">
               <a:rPr lang="ko-KR" altLang="en-US" smtClean="0"/>
-              <a:t>2025-11-22</a:t>
+              <a:t>2025-11-23</a:t>
             </a:fld>
             <a:endParaRPr lang="ko-KR" altLang="en-US"/>
           </a:p>
@@ -1823,7 +1824,7 @@
           <a:p>
             <a:fld id="{8484631F-0FD4-43A5-BAC0-679E520DF569}" type="datetimeFigureOut">
               <a:rPr lang="ko-KR" altLang="en-US" smtClean="0"/>
-              <a:t>2025-11-22</a:t>
+              <a:t>2025-11-23</a:t>
             </a:fld>
             <a:endParaRPr lang="ko-KR" altLang="en-US"/>
           </a:p>
@@ -2100,7 +2101,7 @@
           <a:p>
             <a:fld id="{8484631F-0FD4-43A5-BAC0-679E520DF569}" type="datetimeFigureOut">
               <a:rPr lang="ko-KR" altLang="en-US" smtClean="0"/>
-              <a:t>2025-11-22</a:t>
+              <a:t>2025-11-23</a:t>
             </a:fld>
             <a:endParaRPr lang="ko-KR" altLang="en-US"/>
           </a:p>
@@ -2353,7 +2354,7 @@
           <a:p>
             <a:fld id="{8484631F-0FD4-43A5-BAC0-679E520DF569}" type="datetimeFigureOut">
               <a:rPr lang="ko-KR" altLang="en-US" smtClean="0"/>
-              <a:t>2025-11-22</a:t>
+              <a:t>2025-11-23</a:t>
             </a:fld>
             <a:endParaRPr lang="ko-KR" altLang="en-US"/>
           </a:p>
@@ -2566,7 +2567,7 @@
           <a:p>
             <a:fld id="{8484631F-0FD4-43A5-BAC0-679E520DF569}" type="datetimeFigureOut">
               <a:rPr lang="ko-KR" altLang="en-US" smtClean="0"/>
-              <a:t>2025-11-22</a:t>
+              <a:t>2025-11-23</a:t>
             </a:fld>
             <a:endParaRPr lang="ko-KR" altLang="en-US"/>
           </a:p>
@@ -3277,8 +3278,8 @@
           </a:prstGeom>
         </p:spPr>
       </p:pic>
-      <mc:AlternateContent xmlns:mc="http://schemas.openxmlformats.org/markup-compatibility/2006">
-        <mc:Choice xmlns:a14="http://schemas.microsoft.com/office/drawing/2010/main" Requires="a14">
+      <mc:AlternateContent xmlns:mc="http://schemas.openxmlformats.org/markup-compatibility/2006" xmlns:a14="http://schemas.microsoft.com/office/drawing/2010/main">
+        <mc:Choice Requires="a14">
           <p:sp>
             <p:nvSpPr>
               <p:cNvPr id="3" name="TextBox 2"/>
@@ -3301,6 +3302,7 @@
               </a:bodyPr>
               <a:lstStyle/>
               <a:p>
+                <a:pPr/>
                 <a14:m>
                   <m:oMathPara xmlns:m="http://schemas.openxmlformats.org/officeDocument/2006/math">
                     <m:oMathParaPr>
@@ -3346,7 +3348,7 @@
             </p:txBody>
           </p:sp>
         </mc:Choice>
-        <mc:Fallback>
+        <mc:Fallback xmlns="">
           <p:sp>
             <p:nvSpPr>
               <p:cNvPr id="3" name="TextBox 2"/>
@@ -3707,6 +3709,60 @@
     <p:extLst>
       <p:ext uri="{BB962C8B-B14F-4D97-AF65-F5344CB8AC3E}">
         <p14:creationId xmlns:p14="http://schemas.microsoft.com/office/powerpoint/2010/main" val="3963893147"/>
+      </p:ext>
+    </p:extLst>
+  </p:cSld>
+  <p:clrMapOvr>
+    <a:masterClrMapping/>
+  </p:clrMapOvr>
+</p:sld>
+</file>
+
+<file path=ppt/slides/slide4.xml><?xml version="1.0" encoding="utf-8"?>
+<p:sld xmlns:a="http://schemas.openxmlformats.org/drawingml/2006/main" xmlns:r="http://schemas.openxmlformats.org/officeDocument/2006/relationships" xmlns:p="http://schemas.openxmlformats.org/presentationml/2006/main">
+  <p:cSld>
+    <p:spTree>
+      <p:nvGrpSpPr>
+        <p:cNvPr id="1" name=""/>
+        <p:cNvGrpSpPr/>
+        <p:nvPr/>
+      </p:nvGrpSpPr>
+      <p:grpSpPr>
+        <a:xfrm>
+          <a:off x="0" y="0"/>
+          <a:ext cx="0" cy="0"/>
+          <a:chOff x="0" y="0"/>
+          <a:chExt cx="0" cy="0"/>
+        </a:xfrm>
+      </p:grpSpPr>
+      <p:pic>
+        <p:nvPicPr>
+          <p:cNvPr id="4" name="그림 3"/>
+          <p:cNvPicPr>
+            <a:picLocks noChangeAspect="1"/>
+          </p:cNvPicPr>
+          <p:nvPr/>
+        </p:nvPicPr>
+        <p:blipFill>
+          <a:blip r:embed="rId2"/>
+          <a:stretch>
+            <a:fillRect/>
+          </a:stretch>
+        </p:blipFill>
+        <p:spPr>
+          <a:xfrm>
+            <a:off x="347159" y="105263"/>
+            <a:ext cx="2204415" cy="1936619"/>
+          </a:xfrm>
+          <a:prstGeom prst="rect">
+            <a:avLst/>
+          </a:prstGeom>
+        </p:spPr>
+      </p:pic>
+    </p:spTree>
+    <p:extLst>
+      <p:ext uri="{BB962C8B-B14F-4D97-AF65-F5344CB8AC3E}">
+        <p14:creationId xmlns:p14="http://schemas.microsoft.com/office/powerpoint/2010/main" val="3195221694"/>
       </p:ext>
     </p:extLst>
   </p:cSld>

--- a/image/이미지_생성용.pptx
+++ b/image/이미지_생성용.pptx
@@ -246,7 +246,7 @@
           <a:p>
             <a:fld id="{8484631F-0FD4-43A5-BAC0-679E520DF569}" type="datetimeFigureOut">
               <a:rPr lang="ko-KR" altLang="en-US" smtClean="0"/>
-              <a:t>2025-11-23</a:t>
+              <a:t>2025-11-24</a:t>
             </a:fld>
             <a:endParaRPr lang="ko-KR" altLang="en-US"/>
           </a:p>
@@ -416,7 +416,7 @@
           <a:p>
             <a:fld id="{8484631F-0FD4-43A5-BAC0-679E520DF569}" type="datetimeFigureOut">
               <a:rPr lang="ko-KR" altLang="en-US" smtClean="0"/>
-              <a:t>2025-11-23</a:t>
+              <a:t>2025-11-24</a:t>
             </a:fld>
             <a:endParaRPr lang="ko-KR" altLang="en-US"/>
           </a:p>
@@ -596,7 +596,7 @@
           <a:p>
             <a:fld id="{8484631F-0FD4-43A5-BAC0-679E520DF569}" type="datetimeFigureOut">
               <a:rPr lang="ko-KR" altLang="en-US" smtClean="0"/>
-              <a:t>2025-11-23</a:t>
+              <a:t>2025-11-24</a:t>
             </a:fld>
             <a:endParaRPr lang="ko-KR" altLang="en-US"/>
           </a:p>
@@ -766,7 +766,7 @@
           <a:p>
             <a:fld id="{8484631F-0FD4-43A5-BAC0-679E520DF569}" type="datetimeFigureOut">
               <a:rPr lang="ko-KR" altLang="en-US" smtClean="0"/>
-              <a:t>2025-11-23</a:t>
+              <a:t>2025-11-24</a:t>
             </a:fld>
             <a:endParaRPr lang="ko-KR" altLang="en-US"/>
           </a:p>
@@ -1012,7 +1012,7 @@
           <a:p>
             <a:fld id="{8484631F-0FD4-43A5-BAC0-679E520DF569}" type="datetimeFigureOut">
               <a:rPr lang="ko-KR" altLang="en-US" smtClean="0"/>
-              <a:t>2025-11-23</a:t>
+              <a:t>2025-11-24</a:t>
             </a:fld>
             <a:endParaRPr lang="ko-KR" altLang="en-US"/>
           </a:p>
@@ -1244,7 +1244,7 @@
           <a:p>
             <a:fld id="{8484631F-0FD4-43A5-BAC0-679E520DF569}" type="datetimeFigureOut">
               <a:rPr lang="ko-KR" altLang="en-US" smtClean="0"/>
-              <a:t>2025-11-23</a:t>
+              <a:t>2025-11-24</a:t>
             </a:fld>
             <a:endParaRPr lang="ko-KR" altLang="en-US"/>
           </a:p>
@@ -1611,7 +1611,7 @@
           <a:p>
             <a:fld id="{8484631F-0FD4-43A5-BAC0-679E520DF569}" type="datetimeFigureOut">
               <a:rPr lang="ko-KR" altLang="en-US" smtClean="0"/>
-              <a:t>2025-11-23</a:t>
+              <a:t>2025-11-24</a:t>
             </a:fld>
             <a:endParaRPr lang="ko-KR" altLang="en-US"/>
           </a:p>
@@ -1729,7 +1729,7 @@
           <a:p>
             <a:fld id="{8484631F-0FD4-43A5-BAC0-679E520DF569}" type="datetimeFigureOut">
               <a:rPr lang="ko-KR" altLang="en-US" smtClean="0"/>
-              <a:t>2025-11-23</a:t>
+              <a:t>2025-11-24</a:t>
             </a:fld>
             <a:endParaRPr lang="ko-KR" altLang="en-US"/>
           </a:p>
@@ -1824,7 +1824,7 @@
           <a:p>
             <a:fld id="{8484631F-0FD4-43A5-BAC0-679E520DF569}" type="datetimeFigureOut">
               <a:rPr lang="ko-KR" altLang="en-US" smtClean="0"/>
-              <a:t>2025-11-23</a:t>
+              <a:t>2025-11-24</a:t>
             </a:fld>
             <a:endParaRPr lang="ko-KR" altLang="en-US"/>
           </a:p>
@@ -2101,7 +2101,7 @@
           <a:p>
             <a:fld id="{8484631F-0FD4-43A5-BAC0-679E520DF569}" type="datetimeFigureOut">
               <a:rPr lang="ko-KR" altLang="en-US" smtClean="0"/>
-              <a:t>2025-11-23</a:t>
+              <a:t>2025-11-24</a:t>
             </a:fld>
             <a:endParaRPr lang="ko-KR" altLang="en-US"/>
           </a:p>
@@ -2354,7 +2354,7 @@
           <a:p>
             <a:fld id="{8484631F-0FD4-43A5-BAC0-679E520DF569}" type="datetimeFigureOut">
               <a:rPr lang="ko-KR" altLang="en-US" smtClean="0"/>
-              <a:t>2025-11-23</a:t>
+              <a:t>2025-11-24</a:t>
             </a:fld>
             <a:endParaRPr lang="ko-KR" altLang="en-US"/>
           </a:p>
@@ -2567,7 +2567,7 @@
           <a:p>
             <a:fld id="{8484631F-0FD4-43A5-BAC0-679E520DF569}" type="datetimeFigureOut">
               <a:rPr lang="ko-KR" altLang="en-US" smtClean="0"/>
-              <a:t>2025-11-23</a:t>
+              <a:t>2025-11-24</a:t>
             </a:fld>
             <a:endParaRPr lang="ko-KR" altLang="en-US"/>
           </a:p>
@@ -3759,6 +3759,30 @@
           </a:prstGeom>
         </p:spPr>
       </p:pic>
+      <p:pic>
+        <p:nvPicPr>
+          <p:cNvPr id="2" name="그림 1"/>
+          <p:cNvPicPr>
+            <a:picLocks noChangeAspect="1"/>
+          </p:cNvPicPr>
+          <p:nvPr/>
+        </p:nvPicPr>
+        <p:blipFill>
+          <a:blip r:embed="rId3"/>
+          <a:stretch>
+            <a:fillRect/>
+          </a:stretch>
+        </p:blipFill>
+        <p:spPr>
+          <a:xfrm>
+            <a:off x="3186469" y="105263"/>
+            <a:ext cx="5701508" cy="2400635"/>
+          </a:xfrm>
+          <a:prstGeom prst="rect">
+            <a:avLst/>
+          </a:prstGeom>
+        </p:spPr>
+      </p:pic>
     </p:spTree>
     <p:extLst>
       <p:ext uri="{BB962C8B-B14F-4D97-AF65-F5344CB8AC3E}">

--- a/image/이미지_생성용.pptx
+++ b/image/이미지_생성용.pptx
@@ -9,6 +9,7 @@
     <p:sldId id="257" r:id="rId3"/>
     <p:sldId id="258" r:id="rId4"/>
     <p:sldId id="259" r:id="rId5"/>
+    <p:sldId id="260" r:id="rId6"/>
   </p:sldIdLst>
   <p:sldSz cx="12192000" cy="6858000"/>
   <p:notesSz cx="6858000" cy="9144000"/>
@@ -246,7 +247,7 @@
           <a:p>
             <a:fld id="{8484631F-0FD4-43A5-BAC0-679E520DF569}" type="datetimeFigureOut">
               <a:rPr lang="ko-KR" altLang="en-US" smtClean="0"/>
-              <a:t>2025-11-24</a:t>
+              <a:t>2025-11-25</a:t>
             </a:fld>
             <a:endParaRPr lang="ko-KR" altLang="en-US"/>
           </a:p>
@@ -416,7 +417,7 @@
           <a:p>
             <a:fld id="{8484631F-0FD4-43A5-BAC0-679E520DF569}" type="datetimeFigureOut">
               <a:rPr lang="ko-KR" altLang="en-US" smtClean="0"/>
-              <a:t>2025-11-24</a:t>
+              <a:t>2025-11-25</a:t>
             </a:fld>
             <a:endParaRPr lang="ko-KR" altLang="en-US"/>
           </a:p>
@@ -596,7 +597,7 @@
           <a:p>
             <a:fld id="{8484631F-0FD4-43A5-BAC0-679E520DF569}" type="datetimeFigureOut">
               <a:rPr lang="ko-KR" altLang="en-US" smtClean="0"/>
-              <a:t>2025-11-24</a:t>
+              <a:t>2025-11-25</a:t>
             </a:fld>
             <a:endParaRPr lang="ko-KR" altLang="en-US"/>
           </a:p>
@@ -766,7 +767,7 @@
           <a:p>
             <a:fld id="{8484631F-0FD4-43A5-BAC0-679E520DF569}" type="datetimeFigureOut">
               <a:rPr lang="ko-KR" altLang="en-US" smtClean="0"/>
-              <a:t>2025-11-24</a:t>
+              <a:t>2025-11-25</a:t>
             </a:fld>
             <a:endParaRPr lang="ko-KR" altLang="en-US"/>
           </a:p>
@@ -1012,7 +1013,7 @@
           <a:p>
             <a:fld id="{8484631F-0FD4-43A5-BAC0-679E520DF569}" type="datetimeFigureOut">
               <a:rPr lang="ko-KR" altLang="en-US" smtClean="0"/>
-              <a:t>2025-11-24</a:t>
+              <a:t>2025-11-25</a:t>
             </a:fld>
             <a:endParaRPr lang="ko-KR" altLang="en-US"/>
           </a:p>
@@ -1244,7 +1245,7 @@
           <a:p>
             <a:fld id="{8484631F-0FD4-43A5-BAC0-679E520DF569}" type="datetimeFigureOut">
               <a:rPr lang="ko-KR" altLang="en-US" smtClean="0"/>
-              <a:t>2025-11-24</a:t>
+              <a:t>2025-11-25</a:t>
             </a:fld>
             <a:endParaRPr lang="ko-KR" altLang="en-US"/>
           </a:p>
@@ -1611,7 +1612,7 @@
           <a:p>
             <a:fld id="{8484631F-0FD4-43A5-BAC0-679E520DF569}" type="datetimeFigureOut">
               <a:rPr lang="ko-KR" altLang="en-US" smtClean="0"/>
-              <a:t>2025-11-24</a:t>
+              <a:t>2025-11-25</a:t>
             </a:fld>
             <a:endParaRPr lang="ko-KR" altLang="en-US"/>
           </a:p>
@@ -1729,7 +1730,7 @@
           <a:p>
             <a:fld id="{8484631F-0FD4-43A5-BAC0-679E520DF569}" type="datetimeFigureOut">
               <a:rPr lang="ko-KR" altLang="en-US" smtClean="0"/>
-              <a:t>2025-11-24</a:t>
+              <a:t>2025-11-25</a:t>
             </a:fld>
             <a:endParaRPr lang="ko-KR" altLang="en-US"/>
           </a:p>
@@ -1824,7 +1825,7 @@
           <a:p>
             <a:fld id="{8484631F-0FD4-43A5-BAC0-679E520DF569}" type="datetimeFigureOut">
               <a:rPr lang="ko-KR" altLang="en-US" smtClean="0"/>
-              <a:t>2025-11-24</a:t>
+              <a:t>2025-11-25</a:t>
             </a:fld>
             <a:endParaRPr lang="ko-KR" altLang="en-US"/>
           </a:p>
@@ -2101,7 +2102,7 @@
           <a:p>
             <a:fld id="{8484631F-0FD4-43A5-BAC0-679E520DF569}" type="datetimeFigureOut">
               <a:rPr lang="ko-KR" altLang="en-US" smtClean="0"/>
-              <a:t>2025-11-24</a:t>
+              <a:t>2025-11-25</a:t>
             </a:fld>
             <a:endParaRPr lang="ko-KR" altLang="en-US"/>
           </a:p>
@@ -2354,7 +2355,7 @@
           <a:p>
             <a:fld id="{8484631F-0FD4-43A5-BAC0-679E520DF569}" type="datetimeFigureOut">
               <a:rPr lang="ko-KR" altLang="en-US" smtClean="0"/>
-              <a:t>2025-11-24</a:t>
+              <a:t>2025-11-25</a:t>
             </a:fld>
             <a:endParaRPr lang="ko-KR" altLang="en-US"/>
           </a:p>
@@ -2567,7 +2568,7 @@
           <a:p>
             <a:fld id="{8484631F-0FD4-43A5-BAC0-679E520DF569}" type="datetimeFigureOut">
               <a:rPr lang="ko-KR" altLang="en-US" smtClean="0"/>
-              <a:t>2025-11-24</a:t>
+              <a:t>2025-11-25</a:t>
             </a:fld>
             <a:endParaRPr lang="ko-KR" altLang="en-US"/>
           </a:p>
@@ -3783,10 +3784,152 @@
           </a:prstGeom>
         </p:spPr>
       </p:pic>
+      <p:sp>
+        <p:nvSpPr>
+          <p:cNvPr id="3" name="직사각형 2"/>
+          <p:cNvSpPr/>
+          <p:nvPr/>
+        </p:nvSpPr>
+        <p:spPr>
+          <a:xfrm>
+            <a:off x="5243843" y="3244334"/>
+            <a:ext cx="1704313" cy="369332"/>
+          </a:xfrm>
+          <a:prstGeom prst="rect">
+            <a:avLst/>
+          </a:prstGeom>
+        </p:spPr>
+        <p:txBody>
+          <a:bodyPr wrap="none">
+            <a:spAutoFit/>
+          </a:bodyPr>
+          <a:lstStyle/>
+          <a:p>
+            <a:r>
+              <a:rPr lang="en-US" altLang="ko-KR" u="sng" dirty="0">
+                <a:solidFill>
+                  <a:srgbClr val="CCCCCC"/>
+                </a:solidFill>
+                <a:latin typeface="Consolas" panose="020B0609020204030204" pitchFamily="49" charset="0"/>
+              </a:rPr>
+              <a:t>image/01-02-</a:t>
+            </a:r>
+            <a:endParaRPr lang="en-US" altLang="ko-KR" b="0" dirty="0">
+              <a:solidFill>
+                <a:srgbClr val="CCCCCC"/>
+              </a:solidFill>
+              <a:effectLst/>
+              <a:latin typeface="Consolas" panose="020B0609020204030204" pitchFamily="49" charset="0"/>
+            </a:endParaRPr>
+          </a:p>
+        </p:txBody>
+      </p:sp>
+      <p:pic>
+        <p:nvPicPr>
+          <p:cNvPr id="5" name="그림 4"/>
+          <p:cNvPicPr>
+            <a:picLocks noChangeAspect="1"/>
+          </p:cNvPicPr>
+          <p:nvPr/>
+        </p:nvPicPr>
+        <p:blipFill>
+          <a:blip r:embed="rId4"/>
+          <a:stretch>
+            <a:fillRect/>
+          </a:stretch>
+        </p:blipFill>
+        <p:spPr>
+          <a:xfrm>
+            <a:off x="347159" y="2963815"/>
+            <a:ext cx="3429479" cy="2281556"/>
+          </a:xfrm>
+          <a:prstGeom prst="rect">
+            <a:avLst/>
+          </a:prstGeom>
+        </p:spPr>
+      </p:pic>
+      <p:pic>
+        <p:nvPicPr>
+          <p:cNvPr id="6" name="그림 5"/>
+          <p:cNvPicPr>
+            <a:picLocks noChangeAspect="1"/>
+          </p:cNvPicPr>
+          <p:nvPr/>
+        </p:nvPicPr>
+        <p:blipFill>
+          <a:blip r:embed="rId5"/>
+          <a:stretch>
+            <a:fillRect/>
+          </a:stretch>
+        </p:blipFill>
+        <p:spPr>
+          <a:xfrm>
+            <a:off x="5727216" y="2505898"/>
+            <a:ext cx="3467584" cy="3543795"/>
+          </a:xfrm>
+          <a:prstGeom prst="rect">
+            <a:avLst/>
+          </a:prstGeom>
+        </p:spPr>
+      </p:pic>
     </p:spTree>
     <p:extLst>
       <p:ext uri="{BB962C8B-B14F-4D97-AF65-F5344CB8AC3E}">
         <p14:creationId xmlns:p14="http://schemas.microsoft.com/office/powerpoint/2010/main" val="3195221694"/>
+      </p:ext>
+    </p:extLst>
+  </p:cSld>
+  <p:clrMapOvr>
+    <a:masterClrMapping/>
+  </p:clrMapOvr>
+</p:sld>
+</file>
+
+<file path=ppt/slides/slide5.xml><?xml version="1.0" encoding="utf-8"?>
+<p:sld xmlns:a="http://schemas.openxmlformats.org/drawingml/2006/main" xmlns:r="http://schemas.openxmlformats.org/officeDocument/2006/relationships" xmlns:p="http://schemas.openxmlformats.org/presentationml/2006/main">
+  <p:cSld>
+    <p:spTree>
+      <p:nvGrpSpPr>
+        <p:cNvPr id="1" name=""/>
+        <p:cNvGrpSpPr/>
+        <p:nvPr/>
+      </p:nvGrpSpPr>
+      <p:grpSpPr>
+        <a:xfrm>
+          <a:off x="0" y="0"/>
+          <a:ext cx="0" cy="0"/>
+          <a:chOff x="0" y="0"/>
+          <a:chExt cx="0" cy="0"/>
+        </a:xfrm>
+      </p:grpSpPr>
+      <p:pic>
+        <p:nvPicPr>
+          <p:cNvPr id="4" name="그림 3"/>
+          <p:cNvPicPr>
+            <a:picLocks noChangeAspect="1"/>
+          </p:cNvPicPr>
+          <p:nvPr/>
+        </p:nvPicPr>
+        <p:blipFill>
+          <a:blip r:embed="rId2"/>
+          <a:stretch>
+            <a:fillRect/>
+          </a:stretch>
+        </p:blipFill>
+        <p:spPr>
+          <a:xfrm>
+            <a:off x="516964" y="263366"/>
+            <a:ext cx="2634412" cy="1948594"/>
+          </a:xfrm>
+          <a:prstGeom prst="rect">
+            <a:avLst/>
+          </a:prstGeom>
+        </p:spPr>
+      </p:pic>
+    </p:spTree>
+    <p:extLst>
+      <p:ext uri="{BB962C8B-B14F-4D97-AF65-F5344CB8AC3E}">
+        <p14:creationId xmlns:p14="http://schemas.microsoft.com/office/powerpoint/2010/main" val="1507232349"/>
       </p:ext>
     </p:extLst>
   </p:cSld>

--- a/image/이미지_생성용.pptx
+++ b/image/이미지_생성용.pptx
@@ -10,6 +10,7 @@
     <p:sldId id="258" r:id="rId4"/>
     <p:sldId id="259" r:id="rId5"/>
     <p:sldId id="260" r:id="rId6"/>
+    <p:sldId id="261" r:id="rId7"/>
   </p:sldIdLst>
   <p:sldSz cx="12192000" cy="6858000"/>
   <p:notesSz cx="6858000" cy="9144000"/>
@@ -247,7 +248,7 @@
           <a:p>
             <a:fld id="{8484631F-0FD4-43A5-BAC0-679E520DF569}" type="datetimeFigureOut">
               <a:rPr lang="ko-KR" altLang="en-US" smtClean="0"/>
-              <a:t>2025-11-25</a:t>
+              <a:t>2025-11-26</a:t>
             </a:fld>
             <a:endParaRPr lang="ko-KR" altLang="en-US"/>
           </a:p>
@@ -417,7 +418,7 @@
           <a:p>
             <a:fld id="{8484631F-0FD4-43A5-BAC0-679E520DF569}" type="datetimeFigureOut">
               <a:rPr lang="ko-KR" altLang="en-US" smtClean="0"/>
-              <a:t>2025-11-25</a:t>
+              <a:t>2025-11-26</a:t>
             </a:fld>
             <a:endParaRPr lang="ko-KR" altLang="en-US"/>
           </a:p>
@@ -597,7 +598,7 @@
           <a:p>
             <a:fld id="{8484631F-0FD4-43A5-BAC0-679E520DF569}" type="datetimeFigureOut">
               <a:rPr lang="ko-KR" altLang="en-US" smtClean="0"/>
-              <a:t>2025-11-25</a:t>
+              <a:t>2025-11-26</a:t>
             </a:fld>
             <a:endParaRPr lang="ko-KR" altLang="en-US"/>
           </a:p>
@@ -767,7 +768,7 @@
           <a:p>
             <a:fld id="{8484631F-0FD4-43A5-BAC0-679E520DF569}" type="datetimeFigureOut">
               <a:rPr lang="ko-KR" altLang="en-US" smtClean="0"/>
-              <a:t>2025-11-25</a:t>
+              <a:t>2025-11-26</a:t>
             </a:fld>
             <a:endParaRPr lang="ko-KR" altLang="en-US"/>
           </a:p>
@@ -1013,7 +1014,7 @@
           <a:p>
             <a:fld id="{8484631F-0FD4-43A5-BAC0-679E520DF569}" type="datetimeFigureOut">
               <a:rPr lang="ko-KR" altLang="en-US" smtClean="0"/>
-              <a:t>2025-11-25</a:t>
+              <a:t>2025-11-26</a:t>
             </a:fld>
             <a:endParaRPr lang="ko-KR" altLang="en-US"/>
           </a:p>
@@ -1245,7 +1246,7 @@
           <a:p>
             <a:fld id="{8484631F-0FD4-43A5-BAC0-679E520DF569}" type="datetimeFigureOut">
               <a:rPr lang="ko-KR" altLang="en-US" smtClean="0"/>
-              <a:t>2025-11-25</a:t>
+              <a:t>2025-11-26</a:t>
             </a:fld>
             <a:endParaRPr lang="ko-KR" altLang="en-US"/>
           </a:p>
@@ -1612,7 +1613,7 @@
           <a:p>
             <a:fld id="{8484631F-0FD4-43A5-BAC0-679E520DF569}" type="datetimeFigureOut">
               <a:rPr lang="ko-KR" altLang="en-US" smtClean="0"/>
-              <a:t>2025-11-25</a:t>
+              <a:t>2025-11-26</a:t>
             </a:fld>
             <a:endParaRPr lang="ko-KR" altLang="en-US"/>
           </a:p>
@@ -1730,7 +1731,7 @@
           <a:p>
             <a:fld id="{8484631F-0FD4-43A5-BAC0-679E520DF569}" type="datetimeFigureOut">
               <a:rPr lang="ko-KR" altLang="en-US" smtClean="0"/>
-              <a:t>2025-11-25</a:t>
+              <a:t>2025-11-26</a:t>
             </a:fld>
             <a:endParaRPr lang="ko-KR" altLang="en-US"/>
           </a:p>
@@ -1825,7 +1826,7 @@
           <a:p>
             <a:fld id="{8484631F-0FD4-43A5-BAC0-679E520DF569}" type="datetimeFigureOut">
               <a:rPr lang="ko-KR" altLang="en-US" smtClean="0"/>
-              <a:t>2025-11-25</a:t>
+              <a:t>2025-11-26</a:t>
             </a:fld>
             <a:endParaRPr lang="ko-KR" altLang="en-US"/>
           </a:p>
@@ -2102,7 +2103,7 @@
           <a:p>
             <a:fld id="{8484631F-0FD4-43A5-BAC0-679E520DF569}" type="datetimeFigureOut">
               <a:rPr lang="ko-KR" altLang="en-US" smtClean="0"/>
-              <a:t>2025-11-25</a:t>
+              <a:t>2025-11-26</a:t>
             </a:fld>
             <a:endParaRPr lang="ko-KR" altLang="en-US"/>
           </a:p>
@@ -2355,7 +2356,7 @@
           <a:p>
             <a:fld id="{8484631F-0FD4-43A5-BAC0-679E520DF569}" type="datetimeFigureOut">
               <a:rPr lang="ko-KR" altLang="en-US" smtClean="0"/>
-              <a:t>2025-11-25</a:t>
+              <a:t>2025-11-26</a:t>
             </a:fld>
             <a:endParaRPr lang="ko-KR" altLang="en-US"/>
           </a:p>
@@ -2568,7 +2569,7 @@
           <a:p>
             <a:fld id="{8484631F-0FD4-43A5-BAC0-679E520DF569}" type="datetimeFigureOut">
               <a:rPr lang="ko-KR" altLang="en-US" smtClean="0"/>
-              <a:t>2025-11-25</a:t>
+              <a:t>2025-11-26</a:t>
             </a:fld>
             <a:endParaRPr lang="ko-KR" altLang="en-US"/>
           </a:p>
@@ -3926,10 +3927,200 @@
           </a:prstGeom>
         </p:spPr>
       </p:pic>
+      <p:sp>
+        <p:nvSpPr>
+          <p:cNvPr id="2" name="직사각형 1"/>
+          <p:cNvSpPr/>
+          <p:nvPr/>
+        </p:nvSpPr>
+        <p:spPr>
+          <a:xfrm>
+            <a:off x="3914152" y="3244334"/>
+            <a:ext cx="4363695" cy="369332"/>
+          </a:xfrm>
+          <a:prstGeom prst="rect">
+            <a:avLst/>
+          </a:prstGeom>
+        </p:spPr>
+        <p:txBody>
+          <a:bodyPr wrap="none">
+            <a:spAutoFit/>
+          </a:bodyPr>
+          <a:lstStyle/>
+          <a:p>
+            <a:r>
+              <a:rPr lang="en-US" altLang="ko-KR" u="sng" dirty="0">
+                <a:solidFill>
+                  <a:srgbClr val="CCCCCC"/>
+                </a:solidFill>
+                <a:latin typeface="Consolas" panose="020B0609020204030204" pitchFamily="49" charset="0"/>
+              </a:rPr>
+              <a:t>02-02-doc-term-matrix-example.png</a:t>
+            </a:r>
+            <a:endParaRPr lang="en-US" altLang="ko-KR" b="0" dirty="0">
+              <a:solidFill>
+                <a:srgbClr val="CCCCCC"/>
+              </a:solidFill>
+              <a:effectLst/>
+              <a:latin typeface="Consolas" panose="020B0609020204030204" pitchFamily="49" charset="0"/>
+            </a:endParaRPr>
+          </a:p>
+        </p:txBody>
+      </p:sp>
+      <p:pic>
+        <p:nvPicPr>
+          <p:cNvPr id="3" name="그림 2"/>
+          <p:cNvPicPr>
+            <a:picLocks noChangeAspect="1"/>
+          </p:cNvPicPr>
+          <p:nvPr/>
+        </p:nvPicPr>
+        <p:blipFill>
+          <a:blip r:embed="rId3"/>
+          <a:stretch>
+            <a:fillRect/>
+          </a:stretch>
+        </p:blipFill>
+        <p:spPr>
+          <a:xfrm>
+            <a:off x="3797171" y="263367"/>
+            <a:ext cx="3355173" cy="1148875"/>
+          </a:xfrm>
+          <a:prstGeom prst="rect">
+            <a:avLst/>
+          </a:prstGeom>
+        </p:spPr>
+      </p:pic>
+      <p:pic>
+        <p:nvPicPr>
+          <p:cNvPr id="5" name="그림 4"/>
+          <p:cNvPicPr>
+            <a:picLocks noChangeAspect="1"/>
+          </p:cNvPicPr>
+          <p:nvPr/>
+        </p:nvPicPr>
+        <p:blipFill>
+          <a:blip r:embed="rId4"/>
+          <a:stretch>
+            <a:fillRect/>
+          </a:stretch>
+        </p:blipFill>
+        <p:spPr>
+          <a:xfrm>
+            <a:off x="3914152" y="1655657"/>
+            <a:ext cx="3389468" cy="908812"/>
+          </a:xfrm>
+          <a:prstGeom prst="rect">
+            <a:avLst/>
+          </a:prstGeom>
+        </p:spPr>
+      </p:pic>
+      <p:pic>
+        <p:nvPicPr>
+          <p:cNvPr id="6" name="그림 5"/>
+          <p:cNvPicPr>
+            <a:picLocks noChangeAspect="1"/>
+          </p:cNvPicPr>
+          <p:nvPr/>
+        </p:nvPicPr>
+        <p:blipFill>
+          <a:blip r:embed="rId5"/>
+          <a:stretch>
+            <a:fillRect/>
+          </a:stretch>
+        </p:blipFill>
+        <p:spPr>
+          <a:xfrm>
+            <a:off x="4305050" y="2776446"/>
+            <a:ext cx="2149140" cy="783064"/>
+          </a:xfrm>
+          <a:prstGeom prst="rect">
+            <a:avLst/>
+          </a:prstGeom>
+        </p:spPr>
+      </p:pic>
+      <p:pic>
+        <p:nvPicPr>
+          <p:cNvPr id="7" name="그림 6"/>
+          <p:cNvPicPr>
+            <a:picLocks noChangeAspect="1"/>
+          </p:cNvPicPr>
+          <p:nvPr/>
+        </p:nvPicPr>
+        <p:blipFill>
+          <a:blip r:embed="rId6"/>
+          <a:stretch>
+            <a:fillRect/>
+          </a:stretch>
+        </p:blipFill>
+        <p:spPr>
+          <a:xfrm>
+            <a:off x="410367" y="2564469"/>
+            <a:ext cx="6439171" cy="2993741"/>
+          </a:xfrm>
+          <a:prstGeom prst="rect">
+            <a:avLst/>
+          </a:prstGeom>
+        </p:spPr>
+      </p:pic>
     </p:spTree>
     <p:extLst>
       <p:ext uri="{BB962C8B-B14F-4D97-AF65-F5344CB8AC3E}">
         <p14:creationId xmlns:p14="http://schemas.microsoft.com/office/powerpoint/2010/main" val="1507232349"/>
+      </p:ext>
+    </p:extLst>
+  </p:cSld>
+  <p:clrMapOvr>
+    <a:masterClrMapping/>
+  </p:clrMapOvr>
+</p:sld>
+</file>
+
+<file path=ppt/slides/slide6.xml><?xml version="1.0" encoding="utf-8"?>
+<p:sld xmlns:a="http://schemas.openxmlformats.org/drawingml/2006/main" xmlns:r="http://schemas.openxmlformats.org/officeDocument/2006/relationships" xmlns:p="http://schemas.openxmlformats.org/presentationml/2006/main">
+  <p:cSld>
+    <p:spTree>
+      <p:nvGrpSpPr>
+        <p:cNvPr id="1" name=""/>
+        <p:cNvGrpSpPr/>
+        <p:nvPr/>
+      </p:nvGrpSpPr>
+      <p:grpSpPr>
+        <a:xfrm>
+          <a:off x="0" y="0"/>
+          <a:ext cx="0" cy="0"/>
+          <a:chOff x="0" y="0"/>
+          <a:chExt cx="0" cy="0"/>
+        </a:xfrm>
+      </p:grpSpPr>
+      <p:pic>
+        <p:nvPicPr>
+          <p:cNvPr id="4" name="그림 3"/>
+          <p:cNvPicPr>
+            <a:picLocks noChangeAspect="1"/>
+          </p:cNvPicPr>
+          <p:nvPr/>
+        </p:nvPicPr>
+        <p:blipFill>
+          <a:blip r:embed="rId2"/>
+          <a:stretch>
+            <a:fillRect/>
+          </a:stretch>
+        </p:blipFill>
+        <p:spPr>
+          <a:xfrm>
+            <a:off x="0" y="79134"/>
+            <a:ext cx="3052236" cy="2069119"/>
+          </a:xfrm>
+          <a:prstGeom prst="rect">
+            <a:avLst/>
+          </a:prstGeom>
+        </p:spPr>
+      </p:pic>
+    </p:spTree>
+    <p:extLst>
+      <p:ext uri="{BB962C8B-B14F-4D97-AF65-F5344CB8AC3E}">
+        <p14:creationId xmlns:p14="http://schemas.microsoft.com/office/powerpoint/2010/main" val="1563402265"/>
       </p:ext>
     </p:extLst>
   </p:cSld>

--- a/image/이미지_생성용.pptx
+++ b/image/이미지_생성용.pptx
@@ -6,11 +6,12 @@
   </p:sldMasterIdLst>
   <p:sldIdLst>
     <p:sldId id="256" r:id="rId2"/>
-    <p:sldId id="257" r:id="rId3"/>
-    <p:sldId id="258" r:id="rId4"/>
-    <p:sldId id="259" r:id="rId5"/>
-    <p:sldId id="260" r:id="rId6"/>
-    <p:sldId id="261" r:id="rId7"/>
+    <p:sldId id="262" r:id="rId3"/>
+    <p:sldId id="257" r:id="rId4"/>
+    <p:sldId id="258" r:id="rId5"/>
+    <p:sldId id="259" r:id="rId6"/>
+    <p:sldId id="260" r:id="rId7"/>
+    <p:sldId id="261" r:id="rId8"/>
   </p:sldIdLst>
   <p:sldSz cx="12192000" cy="6858000"/>
   <p:notesSz cx="6858000" cy="9144000"/>
@@ -248,7 +249,7 @@
           <a:p>
             <a:fld id="{8484631F-0FD4-43A5-BAC0-679E520DF569}" type="datetimeFigureOut">
               <a:rPr lang="ko-KR" altLang="en-US" smtClean="0"/>
-              <a:t>2025-11-26</a:t>
+              <a:t>2025-12-03</a:t>
             </a:fld>
             <a:endParaRPr lang="ko-KR" altLang="en-US"/>
           </a:p>
@@ -418,7 +419,7 @@
           <a:p>
             <a:fld id="{8484631F-0FD4-43A5-BAC0-679E520DF569}" type="datetimeFigureOut">
               <a:rPr lang="ko-KR" altLang="en-US" smtClean="0"/>
-              <a:t>2025-11-26</a:t>
+              <a:t>2025-12-03</a:t>
             </a:fld>
             <a:endParaRPr lang="ko-KR" altLang="en-US"/>
           </a:p>
@@ -598,7 +599,7 @@
           <a:p>
             <a:fld id="{8484631F-0FD4-43A5-BAC0-679E520DF569}" type="datetimeFigureOut">
               <a:rPr lang="ko-KR" altLang="en-US" smtClean="0"/>
-              <a:t>2025-11-26</a:t>
+              <a:t>2025-12-03</a:t>
             </a:fld>
             <a:endParaRPr lang="ko-KR" altLang="en-US"/>
           </a:p>
@@ -768,7 +769,7 @@
           <a:p>
             <a:fld id="{8484631F-0FD4-43A5-BAC0-679E520DF569}" type="datetimeFigureOut">
               <a:rPr lang="ko-KR" altLang="en-US" smtClean="0"/>
-              <a:t>2025-11-26</a:t>
+              <a:t>2025-12-03</a:t>
             </a:fld>
             <a:endParaRPr lang="ko-KR" altLang="en-US"/>
           </a:p>
@@ -1014,7 +1015,7 @@
           <a:p>
             <a:fld id="{8484631F-0FD4-43A5-BAC0-679E520DF569}" type="datetimeFigureOut">
               <a:rPr lang="ko-KR" altLang="en-US" smtClean="0"/>
-              <a:t>2025-11-26</a:t>
+              <a:t>2025-12-03</a:t>
             </a:fld>
             <a:endParaRPr lang="ko-KR" altLang="en-US"/>
           </a:p>
@@ -1246,7 +1247,7 @@
           <a:p>
             <a:fld id="{8484631F-0FD4-43A5-BAC0-679E520DF569}" type="datetimeFigureOut">
               <a:rPr lang="ko-KR" altLang="en-US" smtClean="0"/>
-              <a:t>2025-11-26</a:t>
+              <a:t>2025-12-03</a:t>
             </a:fld>
             <a:endParaRPr lang="ko-KR" altLang="en-US"/>
           </a:p>
@@ -1613,7 +1614,7 @@
           <a:p>
             <a:fld id="{8484631F-0FD4-43A5-BAC0-679E520DF569}" type="datetimeFigureOut">
               <a:rPr lang="ko-KR" altLang="en-US" smtClean="0"/>
-              <a:t>2025-11-26</a:t>
+              <a:t>2025-12-03</a:t>
             </a:fld>
             <a:endParaRPr lang="ko-KR" altLang="en-US"/>
           </a:p>
@@ -1731,7 +1732,7 @@
           <a:p>
             <a:fld id="{8484631F-0FD4-43A5-BAC0-679E520DF569}" type="datetimeFigureOut">
               <a:rPr lang="ko-KR" altLang="en-US" smtClean="0"/>
-              <a:t>2025-11-26</a:t>
+              <a:t>2025-12-03</a:t>
             </a:fld>
             <a:endParaRPr lang="ko-KR" altLang="en-US"/>
           </a:p>
@@ -1826,7 +1827,7 @@
           <a:p>
             <a:fld id="{8484631F-0FD4-43A5-BAC0-679E520DF569}" type="datetimeFigureOut">
               <a:rPr lang="ko-KR" altLang="en-US" smtClean="0"/>
-              <a:t>2025-11-26</a:t>
+              <a:t>2025-12-03</a:t>
             </a:fld>
             <a:endParaRPr lang="ko-KR" altLang="en-US"/>
           </a:p>
@@ -2103,7 +2104,7 @@
           <a:p>
             <a:fld id="{8484631F-0FD4-43A5-BAC0-679E520DF569}" type="datetimeFigureOut">
               <a:rPr lang="ko-KR" altLang="en-US" smtClean="0"/>
-              <a:t>2025-11-26</a:t>
+              <a:t>2025-12-03</a:t>
             </a:fld>
             <a:endParaRPr lang="ko-KR" altLang="en-US"/>
           </a:p>
@@ -2356,7 +2357,7 @@
           <a:p>
             <a:fld id="{8484631F-0FD4-43A5-BAC0-679E520DF569}" type="datetimeFigureOut">
               <a:rPr lang="ko-KR" altLang="en-US" smtClean="0"/>
-              <a:t>2025-11-26</a:t>
+              <a:t>2025-12-03</a:t>
             </a:fld>
             <a:endParaRPr lang="ko-KR" altLang="en-US"/>
           </a:p>
@@ -2569,7 +2570,7 @@
           <a:p>
             <a:fld id="{8484631F-0FD4-43A5-BAC0-679E520DF569}" type="datetimeFigureOut">
               <a:rPr lang="ko-KR" altLang="en-US" smtClean="0"/>
-              <a:t>2025-11-26</a:t>
+              <a:t>2025-12-03</a:t>
             </a:fld>
             <a:endParaRPr lang="ko-KR" altLang="en-US"/>
           </a:p>
@@ -3248,6 +3249,84 @@
         </p:blipFill>
         <p:spPr>
           <a:xfrm>
+            <a:off x="186431" y="78098"/>
+            <a:ext cx="4121090" cy="1166023"/>
+          </a:xfrm>
+          <a:prstGeom prst="rect">
+            <a:avLst/>
+          </a:prstGeom>
+        </p:spPr>
+      </p:pic>
+      <p:pic>
+        <p:nvPicPr>
+          <p:cNvPr id="5" name="그림 4"/>
+          <p:cNvPicPr>
+            <a:picLocks noChangeAspect="1"/>
+          </p:cNvPicPr>
+          <p:nvPr/>
+        </p:nvPicPr>
+        <p:blipFill>
+          <a:blip r:embed="rId3"/>
+          <a:stretch>
+            <a:fillRect/>
+          </a:stretch>
+        </p:blipFill>
+        <p:spPr>
+          <a:xfrm>
+            <a:off x="186431" y="1478658"/>
+            <a:ext cx="4749828" cy="2206298"/>
+          </a:xfrm>
+          <a:prstGeom prst="rect">
+            <a:avLst/>
+          </a:prstGeom>
+        </p:spPr>
+      </p:pic>
+    </p:spTree>
+    <p:extLst>
+      <p:ext uri="{BB962C8B-B14F-4D97-AF65-F5344CB8AC3E}">
+        <p14:creationId xmlns:p14="http://schemas.microsoft.com/office/powerpoint/2010/main" val="3261120248"/>
+      </p:ext>
+    </p:extLst>
+  </p:cSld>
+  <p:clrMapOvr>
+    <a:masterClrMapping/>
+  </p:clrMapOvr>
+</p:sld>
+</file>
+
+<file path=ppt/slides/slide3.xml><?xml version="1.0" encoding="utf-8"?>
+<p:sld xmlns:a="http://schemas.openxmlformats.org/drawingml/2006/main" xmlns:r="http://schemas.openxmlformats.org/officeDocument/2006/relationships" xmlns:p="http://schemas.openxmlformats.org/presentationml/2006/main">
+  <p:cSld>
+    <p:spTree>
+      <p:nvGrpSpPr>
+        <p:cNvPr id="1" name=""/>
+        <p:cNvGrpSpPr/>
+        <p:nvPr/>
+      </p:nvGrpSpPr>
+      <p:grpSpPr>
+        <a:xfrm>
+          <a:off x="0" y="0"/>
+          <a:ext cx="0" cy="0"/>
+          <a:chOff x="0" y="0"/>
+          <a:chExt cx="0" cy="0"/>
+        </a:xfrm>
+      </p:grpSpPr>
+      <p:pic>
+        <p:nvPicPr>
+          <p:cNvPr id="4" name="그림 3"/>
+          <p:cNvPicPr>
+            <a:picLocks noChangeAspect="1"/>
+          </p:cNvPicPr>
+          <p:nvPr/>
+        </p:nvPicPr>
+        <p:blipFill>
+          <a:blip r:embed="rId2"/>
+          <a:stretch>
+            <a:fillRect/>
+          </a:stretch>
+        </p:blipFill>
+        <p:spPr>
+          <a:xfrm>
             <a:off x="280298" y="234246"/>
             <a:ext cx="5239481" cy="2572109"/>
           </a:xfrm>
@@ -3474,252 +3553,6 @@
 </p:sld>
 </file>
 
-<file path=ppt/slides/slide3.xml><?xml version="1.0" encoding="utf-8"?>
-<p:sld xmlns:a="http://schemas.openxmlformats.org/drawingml/2006/main" xmlns:r="http://schemas.openxmlformats.org/officeDocument/2006/relationships" xmlns:p="http://schemas.openxmlformats.org/presentationml/2006/main">
-  <p:cSld>
-    <p:spTree>
-      <p:nvGrpSpPr>
-        <p:cNvPr id="1" name=""/>
-        <p:cNvGrpSpPr/>
-        <p:nvPr/>
-      </p:nvGrpSpPr>
-      <p:grpSpPr>
-        <a:xfrm>
-          <a:off x="0" y="0"/>
-          <a:ext cx="0" cy="0"/>
-          <a:chOff x="0" y="0"/>
-          <a:chExt cx="0" cy="0"/>
-        </a:xfrm>
-      </p:grpSpPr>
-      <p:pic>
-        <p:nvPicPr>
-          <p:cNvPr id="4" name="그림 3"/>
-          <p:cNvPicPr>
-            <a:picLocks noChangeAspect="1"/>
-          </p:cNvPicPr>
-          <p:nvPr/>
-        </p:nvPicPr>
-        <p:blipFill>
-          <a:blip r:embed="rId2"/>
-          <a:stretch>
-            <a:fillRect/>
-          </a:stretch>
-        </p:blipFill>
-        <p:spPr>
-          <a:xfrm>
-            <a:off x="325274" y="84388"/>
-            <a:ext cx="3053523" cy="1834291"/>
-          </a:xfrm>
-          <a:prstGeom prst="rect">
-            <a:avLst/>
-          </a:prstGeom>
-        </p:spPr>
-      </p:pic>
-      <p:pic>
-        <p:nvPicPr>
-          <p:cNvPr id="5" name="그림 4"/>
-          <p:cNvPicPr>
-            <a:picLocks noChangeAspect="1"/>
-          </p:cNvPicPr>
-          <p:nvPr/>
-        </p:nvPicPr>
-        <p:blipFill>
-          <a:blip r:embed="rId3"/>
-          <a:stretch>
-            <a:fillRect/>
-          </a:stretch>
-        </p:blipFill>
-        <p:spPr>
-          <a:xfrm>
-            <a:off x="3548890" y="84388"/>
-            <a:ext cx="4577563" cy="2443907"/>
-          </a:xfrm>
-          <a:prstGeom prst="rect">
-            <a:avLst/>
-          </a:prstGeom>
-        </p:spPr>
-      </p:pic>
-      <p:pic>
-        <p:nvPicPr>
-          <p:cNvPr id="6" name="그림 5"/>
-          <p:cNvPicPr>
-            <a:picLocks noChangeAspect="1"/>
-          </p:cNvPicPr>
-          <p:nvPr/>
-        </p:nvPicPr>
-        <p:blipFill>
-          <a:blip r:embed="rId4"/>
-          <a:stretch>
-            <a:fillRect/>
-          </a:stretch>
-        </p:blipFill>
-        <p:spPr>
-          <a:xfrm>
-            <a:off x="448065" y="2462681"/>
-            <a:ext cx="2340490" cy="1235561"/>
-          </a:xfrm>
-          <a:prstGeom prst="rect">
-            <a:avLst/>
-          </a:prstGeom>
-        </p:spPr>
-      </p:pic>
-      <p:pic>
-        <p:nvPicPr>
-          <p:cNvPr id="7" name="그림 6"/>
-          <p:cNvPicPr>
-            <a:picLocks noChangeAspect="1"/>
-          </p:cNvPicPr>
-          <p:nvPr/>
-        </p:nvPicPr>
-        <p:blipFill>
-          <a:blip r:embed="rId5"/>
-          <a:stretch>
-            <a:fillRect/>
-          </a:stretch>
-        </p:blipFill>
-        <p:spPr>
-          <a:xfrm>
-            <a:off x="3212762" y="2620460"/>
-            <a:ext cx="4626550" cy="1502268"/>
-          </a:xfrm>
-          <a:prstGeom prst="rect">
-            <a:avLst/>
-          </a:prstGeom>
-        </p:spPr>
-      </p:pic>
-      <p:pic>
-        <p:nvPicPr>
-          <p:cNvPr id="8" name="그림 7"/>
-          <p:cNvPicPr>
-            <a:picLocks noChangeAspect="1"/>
-          </p:cNvPicPr>
-          <p:nvPr/>
-        </p:nvPicPr>
-        <p:blipFill>
-          <a:blip r:embed="rId6"/>
-          <a:stretch>
-            <a:fillRect/>
-          </a:stretch>
-        </p:blipFill>
-        <p:spPr>
-          <a:xfrm>
-            <a:off x="8498010" y="319236"/>
-            <a:ext cx="2683399" cy="1110372"/>
-          </a:xfrm>
-          <a:prstGeom prst="rect">
-            <a:avLst/>
-          </a:prstGeom>
-        </p:spPr>
-      </p:pic>
-      <p:pic>
-        <p:nvPicPr>
-          <p:cNvPr id="9" name="그림 8"/>
-          <p:cNvPicPr>
-            <a:picLocks noChangeAspect="1"/>
-          </p:cNvPicPr>
-          <p:nvPr/>
-        </p:nvPicPr>
-        <p:blipFill>
-          <a:blip r:embed="rId7"/>
-          <a:stretch>
-            <a:fillRect/>
-          </a:stretch>
-        </p:blipFill>
-        <p:spPr>
-          <a:xfrm>
-            <a:off x="496615" y="3925995"/>
-            <a:ext cx="2046568" cy="990626"/>
-          </a:xfrm>
-          <a:prstGeom prst="rect">
-            <a:avLst/>
-          </a:prstGeom>
-        </p:spPr>
-      </p:pic>
-      <p:pic>
-        <p:nvPicPr>
-          <p:cNvPr id="10" name="그림 9"/>
-          <p:cNvPicPr>
-            <a:picLocks noChangeAspect="1"/>
-          </p:cNvPicPr>
-          <p:nvPr/>
-        </p:nvPicPr>
-        <p:blipFill>
-          <a:blip r:embed="rId8"/>
-          <a:stretch>
-            <a:fillRect/>
-          </a:stretch>
-        </p:blipFill>
-        <p:spPr>
-          <a:xfrm>
-            <a:off x="3276764" y="4365652"/>
-            <a:ext cx="3293015" cy="1398851"/>
-          </a:xfrm>
-          <a:prstGeom prst="rect">
-            <a:avLst/>
-          </a:prstGeom>
-        </p:spPr>
-      </p:pic>
-      <p:pic>
-        <p:nvPicPr>
-          <p:cNvPr id="11" name="그림 10"/>
-          <p:cNvPicPr>
-            <a:picLocks noChangeAspect="1"/>
-          </p:cNvPicPr>
-          <p:nvPr/>
-        </p:nvPicPr>
-        <p:blipFill>
-          <a:blip r:embed="rId9"/>
-          <a:stretch>
-            <a:fillRect/>
-          </a:stretch>
-        </p:blipFill>
-        <p:spPr>
-          <a:xfrm>
-            <a:off x="8750232" y="2766402"/>
-            <a:ext cx="1170245" cy="751134"/>
-          </a:xfrm>
-          <a:prstGeom prst="rect">
-            <a:avLst/>
-          </a:prstGeom>
-        </p:spPr>
-      </p:pic>
-      <p:pic>
-        <p:nvPicPr>
-          <p:cNvPr id="12" name="그림 11"/>
-          <p:cNvPicPr>
-            <a:picLocks noChangeAspect="1"/>
-          </p:cNvPicPr>
-          <p:nvPr/>
-        </p:nvPicPr>
-        <p:blipFill>
-          <a:blip r:embed="rId10"/>
-          <a:stretch>
-            <a:fillRect/>
-          </a:stretch>
-        </p:blipFill>
-        <p:spPr>
-          <a:xfrm>
-            <a:off x="6829569" y="4184724"/>
-            <a:ext cx="3494406" cy="1170245"/>
-          </a:xfrm>
-          <a:prstGeom prst="rect">
-            <a:avLst/>
-          </a:prstGeom>
-        </p:spPr>
-      </p:pic>
-    </p:spTree>
-    <p:extLst>
-      <p:ext uri="{BB962C8B-B14F-4D97-AF65-F5344CB8AC3E}">
-        <p14:creationId xmlns:p14="http://schemas.microsoft.com/office/powerpoint/2010/main" val="3963893147"/>
-      </p:ext>
-    </p:extLst>
-  </p:cSld>
-  <p:clrMapOvr>
-    <a:masterClrMapping/>
-  </p:clrMapOvr>
-</p:sld>
-</file>
-
 <file path=ppt/slides/slide4.xml><?xml version="1.0" encoding="utf-8"?>
 <p:sld xmlns:a="http://schemas.openxmlformats.org/drawingml/2006/main" xmlns:r="http://schemas.openxmlformats.org/officeDocument/2006/relationships" xmlns:p="http://schemas.openxmlformats.org/presentationml/2006/main">
   <p:cSld>
@@ -3753,8 +3586,8 @@
         </p:blipFill>
         <p:spPr>
           <a:xfrm>
-            <a:off x="347159" y="105263"/>
-            <a:ext cx="2204415" cy="1936619"/>
+            <a:off x="325274" y="84388"/>
+            <a:ext cx="3053523" cy="1834291"/>
           </a:xfrm>
           <a:prstGeom prst="rect">
             <a:avLst/>
@@ -3763,7 +3596,7 @@
       </p:pic>
       <p:pic>
         <p:nvPicPr>
-          <p:cNvPr id="2" name="그림 1"/>
+          <p:cNvPr id="5" name="그림 4"/>
           <p:cNvPicPr>
             <a:picLocks noChangeAspect="1"/>
           </p:cNvPicPr>
@@ -3777,57 +3610,17 @@
         </p:blipFill>
         <p:spPr>
           <a:xfrm>
-            <a:off x="3186469" y="105263"/>
-            <a:ext cx="5701508" cy="2400635"/>
+            <a:off x="3548890" y="84388"/>
+            <a:ext cx="4577563" cy="2443907"/>
           </a:xfrm>
           <a:prstGeom prst="rect">
             <a:avLst/>
           </a:prstGeom>
         </p:spPr>
       </p:pic>
-      <p:sp>
-        <p:nvSpPr>
-          <p:cNvPr id="3" name="직사각형 2"/>
-          <p:cNvSpPr/>
-          <p:nvPr/>
-        </p:nvSpPr>
-        <p:spPr>
-          <a:xfrm>
-            <a:off x="5243843" y="3244334"/>
-            <a:ext cx="1704313" cy="369332"/>
-          </a:xfrm>
-          <a:prstGeom prst="rect">
-            <a:avLst/>
-          </a:prstGeom>
-        </p:spPr>
-        <p:txBody>
-          <a:bodyPr wrap="none">
-            <a:spAutoFit/>
-          </a:bodyPr>
-          <a:lstStyle/>
-          <a:p>
-            <a:r>
-              <a:rPr lang="en-US" altLang="ko-KR" u="sng" dirty="0">
-                <a:solidFill>
-                  <a:srgbClr val="CCCCCC"/>
-                </a:solidFill>
-                <a:latin typeface="Consolas" panose="020B0609020204030204" pitchFamily="49" charset="0"/>
-              </a:rPr>
-              <a:t>image/01-02-</a:t>
-            </a:r>
-            <a:endParaRPr lang="en-US" altLang="ko-KR" b="0" dirty="0">
-              <a:solidFill>
-                <a:srgbClr val="CCCCCC"/>
-              </a:solidFill>
-              <a:effectLst/>
-              <a:latin typeface="Consolas" panose="020B0609020204030204" pitchFamily="49" charset="0"/>
-            </a:endParaRPr>
-          </a:p>
-        </p:txBody>
-      </p:sp>
       <p:pic>
         <p:nvPicPr>
-          <p:cNvPr id="5" name="그림 4"/>
+          <p:cNvPr id="6" name="그림 5"/>
           <p:cNvPicPr>
             <a:picLocks noChangeAspect="1"/>
           </p:cNvPicPr>
@@ -3841,8 +3634,8 @@
         </p:blipFill>
         <p:spPr>
           <a:xfrm>
-            <a:off x="347159" y="2963815"/>
-            <a:ext cx="3429479" cy="2281556"/>
+            <a:off x="448065" y="2462681"/>
+            <a:ext cx="2340490" cy="1235561"/>
           </a:xfrm>
           <a:prstGeom prst="rect">
             <a:avLst/>
@@ -3851,7 +3644,7 @@
       </p:pic>
       <p:pic>
         <p:nvPicPr>
-          <p:cNvPr id="6" name="그림 5"/>
+          <p:cNvPr id="7" name="그림 6"/>
           <p:cNvPicPr>
             <a:picLocks noChangeAspect="1"/>
           </p:cNvPicPr>
@@ -3865,8 +3658,128 @@
         </p:blipFill>
         <p:spPr>
           <a:xfrm>
-            <a:off x="5727216" y="2505898"/>
-            <a:ext cx="3467584" cy="3543795"/>
+            <a:off x="3212762" y="2620460"/>
+            <a:ext cx="4626550" cy="1502268"/>
+          </a:xfrm>
+          <a:prstGeom prst="rect">
+            <a:avLst/>
+          </a:prstGeom>
+        </p:spPr>
+      </p:pic>
+      <p:pic>
+        <p:nvPicPr>
+          <p:cNvPr id="8" name="그림 7"/>
+          <p:cNvPicPr>
+            <a:picLocks noChangeAspect="1"/>
+          </p:cNvPicPr>
+          <p:nvPr/>
+        </p:nvPicPr>
+        <p:blipFill>
+          <a:blip r:embed="rId6"/>
+          <a:stretch>
+            <a:fillRect/>
+          </a:stretch>
+        </p:blipFill>
+        <p:spPr>
+          <a:xfrm>
+            <a:off x="8498010" y="319236"/>
+            <a:ext cx="2683399" cy="1110372"/>
+          </a:xfrm>
+          <a:prstGeom prst="rect">
+            <a:avLst/>
+          </a:prstGeom>
+        </p:spPr>
+      </p:pic>
+      <p:pic>
+        <p:nvPicPr>
+          <p:cNvPr id="9" name="그림 8"/>
+          <p:cNvPicPr>
+            <a:picLocks noChangeAspect="1"/>
+          </p:cNvPicPr>
+          <p:nvPr/>
+        </p:nvPicPr>
+        <p:blipFill>
+          <a:blip r:embed="rId7"/>
+          <a:stretch>
+            <a:fillRect/>
+          </a:stretch>
+        </p:blipFill>
+        <p:spPr>
+          <a:xfrm>
+            <a:off x="496615" y="3925995"/>
+            <a:ext cx="2046568" cy="990626"/>
+          </a:xfrm>
+          <a:prstGeom prst="rect">
+            <a:avLst/>
+          </a:prstGeom>
+        </p:spPr>
+      </p:pic>
+      <p:pic>
+        <p:nvPicPr>
+          <p:cNvPr id="10" name="그림 9"/>
+          <p:cNvPicPr>
+            <a:picLocks noChangeAspect="1"/>
+          </p:cNvPicPr>
+          <p:nvPr/>
+        </p:nvPicPr>
+        <p:blipFill>
+          <a:blip r:embed="rId8"/>
+          <a:stretch>
+            <a:fillRect/>
+          </a:stretch>
+        </p:blipFill>
+        <p:spPr>
+          <a:xfrm>
+            <a:off x="3276764" y="4365652"/>
+            <a:ext cx="3293015" cy="1398851"/>
+          </a:xfrm>
+          <a:prstGeom prst="rect">
+            <a:avLst/>
+          </a:prstGeom>
+        </p:spPr>
+      </p:pic>
+      <p:pic>
+        <p:nvPicPr>
+          <p:cNvPr id="11" name="그림 10"/>
+          <p:cNvPicPr>
+            <a:picLocks noChangeAspect="1"/>
+          </p:cNvPicPr>
+          <p:nvPr/>
+        </p:nvPicPr>
+        <p:blipFill>
+          <a:blip r:embed="rId9"/>
+          <a:stretch>
+            <a:fillRect/>
+          </a:stretch>
+        </p:blipFill>
+        <p:spPr>
+          <a:xfrm>
+            <a:off x="8750232" y="2766402"/>
+            <a:ext cx="1170245" cy="751134"/>
+          </a:xfrm>
+          <a:prstGeom prst="rect">
+            <a:avLst/>
+          </a:prstGeom>
+        </p:spPr>
+      </p:pic>
+      <p:pic>
+        <p:nvPicPr>
+          <p:cNvPr id="12" name="그림 11"/>
+          <p:cNvPicPr>
+            <a:picLocks noChangeAspect="1"/>
+          </p:cNvPicPr>
+          <p:nvPr/>
+        </p:nvPicPr>
+        <p:blipFill>
+          <a:blip r:embed="rId10"/>
+          <a:stretch>
+            <a:fillRect/>
+          </a:stretch>
+        </p:blipFill>
+        <p:spPr>
+          <a:xfrm>
+            <a:off x="6829569" y="4184724"/>
+            <a:ext cx="3494406" cy="1170245"/>
           </a:xfrm>
           <a:prstGeom prst="rect">
             <a:avLst/>
@@ -3876,7 +3789,7 @@
     </p:spTree>
     <p:extLst>
       <p:ext uri="{BB962C8B-B14F-4D97-AF65-F5344CB8AC3E}">
-        <p14:creationId xmlns:p14="http://schemas.microsoft.com/office/powerpoint/2010/main" val="3195221694"/>
+        <p14:creationId xmlns:p14="http://schemas.microsoft.com/office/powerpoint/2010/main" val="3963893147"/>
       </p:ext>
     </p:extLst>
   </p:cSld>
@@ -3919,6 +3832,172 @@
         </p:blipFill>
         <p:spPr>
           <a:xfrm>
+            <a:off x="347159" y="105263"/>
+            <a:ext cx="2204415" cy="1936619"/>
+          </a:xfrm>
+          <a:prstGeom prst="rect">
+            <a:avLst/>
+          </a:prstGeom>
+        </p:spPr>
+      </p:pic>
+      <p:pic>
+        <p:nvPicPr>
+          <p:cNvPr id="2" name="그림 1"/>
+          <p:cNvPicPr>
+            <a:picLocks noChangeAspect="1"/>
+          </p:cNvPicPr>
+          <p:nvPr/>
+        </p:nvPicPr>
+        <p:blipFill>
+          <a:blip r:embed="rId3"/>
+          <a:stretch>
+            <a:fillRect/>
+          </a:stretch>
+        </p:blipFill>
+        <p:spPr>
+          <a:xfrm>
+            <a:off x="3186469" y="105263"/>
+            <a:ext cx="5701508" cy="2400635"/>
+          </a:xfrm>
+          <a:prstGeom prst="rect">
+            <a:avLst/>
+          </a:prstGeom>
+        </p:spPr>
+      </p:pic>
+      <p:sp>
+        <p:nvSpPr>
+          <p:cNvPr id="3" name="직사각형 2"/>
+          <p:cNvSpPr/>
+          <p:nvPr/>
+        </p:nvSpPr>
+        <p:spPr>
+          <a:xfrm>
+            <a:off x="5243843" y="3244334"/>
+            <a:ext cx="1704313" cy="369332"/>
+          </a:xfrm>
+          <a:prstGeom prst="rect">
+            <a:avLst/>
+          </a:prstGeom>
+        </p:spPr>
+        <p:txBody>
+          <a:bodyPr wrap="none">
+            <a:spAutoFit/>
+          </a:bodyPr>
+          <a:lstStyle/>
+          <a:p>
+            <a:r>
+              <a:rPr lang="en-US" altLang="ko-KR" u="sng" dirty="0">
+                <a:solidFill>
+                  <a:srgbClr val="CCCCCC"/>
+                </a:solidFill>
+                <a:latin typeface="Consolas" panose="020B0609020204030204" pitchFamily="49" charset="0"/>
+              </a:rPr>
+              <a:t>image/01-02-</a:t>
+            </a:r>
+            <a:endParaRPr lang="en-US" altLang="ko-KR" b="0" dirty="0">
+              <a:solidFill>
+                <a:srgbClr val="CCCCCC"/>
+              </a:solidFill>
+              <a:effectLst/>
+              <a:latin typeface="Consolas" panose="020B0609020204030204" pitchFamily="49" charset="0"/>
+            </a:endParaRPr>
+          </a:p>
+        </p:txBody>
+      </p:sp>
+      <p:pic>
+        <p:nvPicPr>
+          <p:cNvPr id="5" name="그림 4"/>
+          <p:cNvPicPr>
+            <a:picLocks noChangeAspect="1"/>
+          </p:cNvPicPr>
+          <p:nvPr/>
+        </p:nvPicPr>
+        <p:blipFill>
+          <a:blip r:embed="rId4"/>
+          <a:stretch>
+            <a:fillRect/>
+          </a:stretch>
+        </p:blipFill>
+        <p:spPr>
+          <a:xfrm>
+            <a:off x="347159" y="2963815"/>
+            <a:ext cx="3429479" cy="2281556"/>
+          </a:xfrm>
+          <a:prstGeom prst="rect">
+            <a:avLst/>
+          </a:prstGeom>
+        </p:spPr>
+      </p:pic>
+      <p:pic>
+        <p:nvPicPr>
+          <p:cNvPr id="6" name="그림 5"/>
+          <p:cNvPicPr>
+            <a:picLocks noChangeAspect="1"/>
+          </p:cNvPicPr>
+          <p:nvPr/>
+        </p:nvPicPr>
+        <p:blipFill>
+          <a:blip r:embed="rId5"/>
+          <a:stretch>
+            <a:fillRect/>
+          </a:stretch>
+        </p:blipFill>
+        <p:spPr>
+          <a:xfrm>
+            <a:off x="5727216" y="2505898"/>
+            <a:ext cx="3467584" cy="3543795"/>
+          </a:xfrm>
+          <a:prstGeom prst="rect">
+            <a:avLst/>
+          </a:prstGeom>
+        </p:spPr>
+      </p:pic>
+    </p:spTree>
+    <p:extLst>
+      <p:ext uri="{BB962C8B-B14F-4D97-AF65-F5344CB8AC3E}">
+        <p14:creationId xmlns:p14="http://schemas.microsoft.com/office/powerpoint/2010/main" val="3195221694"/>
+      </p:ext>
+    </p:extLst>
+  </p:cSld>
+  <p:clrMapOvr>
+    <a:masterClrMapping/>
+  </p:clrMapOvr>
+</p:sld>
+</file>
+
+<file path=ppt/slides/slide6.xml><?xml version="1.0" encoding="utf-8"?>
+<p:sld xmlns:a="http://schemas.openxmlformats.org/drawingml/2006/main" xmlns:r="http://schemas.openxmlformats.org/officeDocument/2006/relationships" xmlns:p="http://schemas.openxmlformats.org/presentationml/2006/main">
+  <p:cSld>
+    <p:spTree>
+      <p:nvGrpSpPr>
+        <p:cNvPr id="1" name=""/>
+        <p:cNvGrpSpPr/>
+        <p:nvPr/>
+      </p:nvGrpSpPr>
+      <p:grpSpPr>
+        <a:xfrm>
+          <a:off x="0" y="0"/>
+          <a:ext cx="0" cy="0"/>
+          <a:chOff x="0" y="0"/>
+          <a:chExt cx="0" cy="0"/>
+        </a:xfrm>
+      </p:grpSpPr>
+      <p:pic>
+        <p:nvPicPr>
+          <p:cNvPr id="4" name="그림 3"/>
+          <p:cNvPicPr>
+            <a:picLocks noChangeAspect="1"/>
+          </p:cNvPicPr>
+          <p:nvPr/>
+        </p:nvPicPr>
+        <p:blipFill>
+          <a:blip r:embed="rId2"/>
+          <a:stretch>
+            <a:fillRect/>
+          </a:stretch>
+        </p:blipFill>
+        <p:spPr>
+          <a:xfrm>
             <a:off x="516964" y="263366"/>
             <a:ext cx="2634412" cy="1948594"/>
           </a:xfrm>
@@ -4076,7 +4155,7 @@
 </p:sld>
 </file>
 
-<file path=ppt/slides/slide6.xml><?xml version="1.0" encoding="utf-8"?>
+<file path=ppt/slides/slide7.xml><?xml version="1.0" encoding="utf-8"?>
 <p:sld xmlns:a="http://schemas.openxmlformats.org/drawingml/2006/main" xmlns:r="http://schemas.openxmlformats.org/officeDocument/2006/relationships" xmlns:p="http://schemas.openxmlformats.org/presentationml/2006/main">
   <p:cSld>
     <p:spTree>

--- a/image/이미지_생성용.pptx
+++ b/image/이미지_생성용.pptx
@@ -249,7 +249,7 @@
           <a:p>
             <a:fld id="{8484631F-0FD4-43A5-BAC0-679E520DF569}" type="datetimeFigureOut">
               <a:rPr lang="ko-KR" altLang="en-US" smtClean="0"/>
-              <a:t>2025-12-03</a:t>
+              <a:t>2025-12-12</a:t>
             </a:fld>
             <a:endParaRPr lang="ko-KR" altLang="en-US"/>
           </a:p>
@@ -419,7 +419,7 @@
           <a:p>
             <a:fld id="{8484631F-0FD4-43A5-BAC0-679E520DF569}" type="datetimeFigureOut">
               <a:rPr lang="ko-KR" altLang="en-US" smtClean="0"/>
-              <a:t>2025-12-03</a:t>
+              <a:t>2025-12-12</a:t>
             </a:fld>
             <a:endParaRPr lang="ko-KR" altLang="en-US"/>
           </a:p>
@@ -599,7 +599,7 @@
           <a:p>
             <a:fld id="{8484631F-0FD4-43A5-BAC0-679E520DF569}" type="datetimeFigureOut">
               <a:rPr lang="ko-KR" altLang="en-US" smtClean="0"/>
-              <a:t>2025-12-03</a:t>
+              <a:t>2025-12-12</a:t>
             </a:fld>
             <a:endParaRPr lang="ko-KR" altLang="en-US"/>
           </a:p>
@@ -769,7 +769,7 @@
           <a:p>
             <a:fld id="{8484631F-0FD4-43A5-BAC0-679E520DF569}" type="datetimeFigureOut">
               <a:rPr lang="ko-KR" altLang="en-US" smtClean="0"/>
-              <a:t>2025-12-03</a:t>
+              <a:t>2025-12-12</a:t>
             </a:fld>
             <a:endParaRPr lang="ko-KR" altLang="en-US"/>
           </a:p>
@@ -1015,7 +1015,7 @@
           <a:p>
             <a:fld id="{8484631F-0FD4-43A5-BAC0-679E520DF569}" type="datetimeFigureOut">
               <a:rPr lang="ko-KR" altLang="en-US" smtClean="0"/>
-              <a:t>2025-12-03</a:t>
+              <a:t>2025-12-12</a:t>
             </a:fld>
             <a:endParaRPr lang="ko-KR" altLang="en-US"/>
           </a:p>
@@ -1247,7 +1247,7 @@
           <a:p>
             <a:fld id="{8484631F-0FD4-43A5-BAC0-679E520DF569}" type="datetimeFigureOut">
               <a:rPr lang="ko-KR" altLang="en-US" smtClean="0"/>
-              <a:t>2025-12-03</a:t>
+              <a:t>2025-12-12</a:t>
             </a:fld>
             <a:endParaRPr lang="ko-KR" altLang="en-US"/>
           </a:p>
@@ -1614,7 +1614,7 @@
           <a:p>
             <a:fld id="{8484631F-0FD4-43A5-BAC0-679E520DF569}" type="datetimeFigureOut">
               <a:rPr lang="ko-KR" altLang="en-US" smtClean="0"/>
-              <a:t>2025-12-03</a:t>
+              <a:t>2025-12-12</a:t>
             </a:fld>
             <a:endParaRPr lang="ko-KR" altLang="en-US"/>
           </a:p>
@@ -1732,7 +1732,7 @@
           <a:p>
             <a:fld id="{8484631F-0FD4-43A5-BAC0-679E520DF569}" type="datetimeFigureOut">
               <a:rPr lang="ko-KR" altLang="en-US" smtClean="0"/>
-              <a:t>2025-12-03</a:t>
+              <a:t>2025-12-12</a:t>
             </a:fld>
             <a:endParaRPr lang="ko-KR" altLang="en-US"/>
           </a:p>
@@ -1827,7 +1827,7 @@
           <a:p>
             <a:fld id="{8484631F-0FD4-43A5-BAC0-679E520DF569}" type="datetimeFigureOut">
               <a:rPr lang="ko-KR" altLang="en-US" smtClean="0"/>
-              <a:t>2025-12-03</a:t>
+              <a:t>2025-12-12</a:t>
             </a:fld>
             <a:endParaRPr lang="ko-KR" altLang="en-US"/>
           </a:p>
@@ -2104,7 +2104,7 @@
           <a:p>
             <a:fld id="{8484631F-0FD4-43A5-BAC0-679E520DF569}" type="datetimeFigureOut">
               <a:rPr lang="ko-KR" altLang="en-US" smtClean="0"/>
-              <a:t>2025-12-03</a:t>
+              <a:t>2025-12-12</a:t>
             </a:fld>
             <a:endParaRPr lang="ko-KR" altLang="en-US"/>
           </a:p>
@@ -2357,7 +2357,7 @@
           <a:p>
             <a:fld id="{8484631F-0FD4-43A5-BAC0-679E520DF569}" type="datetimeFigureOut">
               <a:rPr lang="ko-KR" altLang="en-US" smtClean="0"/>
-              <a:t>2025-12-03</a:t>
+              <a:t>2025-12-12</a:t>
             </a:fld>
             <a:endParaRPr lang="ko-KR" altLang="en-US"/>
           </a:p>
@@ -2570,7 +2570,7 @@
           <a:p>
             <a:fld id="{8484631F-0FD4-43A5-BAC0-679E520DF569}" type="datetimeFigureOut">
               <a:rPr lang="ko-KR" altLang="en-US" smtClean="0"/>
-              <a:t>2025-12-03</a:t>
+              <a:t>2025-12-12</a:t>
             </a:fld>
             <a:endParaRPr lang="ko-KR" altLang="en-US"/>
           </a:p>
@@ -3281,6 +3281,78 @@
           </a:prstGeom>
         </p:spPr>
       </p:pic>
+      <p:pic>
+        <p:nvPicPr>
+          <p:cNvPr id="2" name="그림 1"/>
+          <p:cNvPicPr>
+            <a:picLocks noChangeAspect="1"/>
+          </p:cNvPicPr>
+          <p:nvPr/>
+        </p:nvPicPr>
+        <p:blipFill>
+          <a:blip r:embed="rId4"/>
+          <a:stretch>
+            <a:fillRect/>
+          </a:stretch>
+        </p:blipFill>
+        <p:spPr>
+          <a:xfrm>
+            <a:off x="6151624" y="78099"/>
+            <a:ext cx="2383487" cy="2354909"/>
+          </a:xfrm>
+          <a:prstGeom prst="rect">
+            <a:avLst/>
+          </a:prstGeom>
+        </p:spPr>
+      </p:pic>
+      <p:pic>
+        <p:nvPicPr>
+          <p:cNvPr id="3" name="그림 2"/>
+          <p:cNvPicPr>
+            <a:picLocks noChangeAspect="1"/>
+          </p:cNvPicPr>
+          <p:nvPr/>
+        </p:nvPicPr>
+        <p:blipFill>
+          <a:blip r:embed="rId5"/>
+          <a:stretch>
+            <a:fillRect/>
+          </a:stretch>
+        </p:blipFill>
+        <p:spPr>
+          <a:xfrm>
+            <a:off x="6071602" y="2553228"/>
+            <a:ext cx="2463509" cy="2263456"/>
+          </a:xfrm>
+          <a:prstGeom prst="rect">
+            <a:avLst/>
+          </a:prstGeom>
+        </p:spPr>
+      </p:pic>
+      <p:pic>
+        <p:nvPicPr>
+          <p:cNvPr id="6" name="그림 5"/>
+          <p:cNvPicPr>
+            <a:picLocks noChangeAspect="1"/>
+          </p:cNvPicPr>
+          <p:nvPr/>
+        </p:nvPicPr>
+        <p:blipFill>
+          <a:blip r:embed="rId6"/>
+          <a:stretch>
+            <a:fillRect/>
+          </a:stretch>
+        </p:blipFill>
+        <p:spPr>
+          <a:xfrm>
+            <a:off x="388074" y="3735445"/>
+            <a:ext cx="1960519" cy="1297486"/>
+          </a:xfrm>
+          <a:prstGeom prst="rect">
+            <a:avLst/>
+          </a:prstGeom>
+        </p:spPr>
+      </p:pic>
     </p:spTree>
     <p:extLst>
       <p:ext uri="{BB962C8B-B14F-4D97-AF65-F5344CB8AC3E}">

--- a/image/이미지_생성용.pptx
+++ b/image/이미지_생성용.pptx
@@ -7,11 +7,12 @@
   <p:sldIdLst>
     <p:sldId id="256" r:id="rId2"/>
     <p:sldId id="262" r:id="rId3"/>
-    <p:sldId id="257" r:id="rId4"/>
-    <p:sldId id="258" r:id="rId5"/>
-    <p:sldId id="259" r:id="rId6"/>
-    <p:sldId id="260" r:id="rId7"/>
-    <p:sldId id="261" r:id="rId8"/>
+    <p:sldId id="263" r:id="rId4"/>
+    <p:sldId id="257" r:id="rId5"/>
+    <p:sldId id="258" r:id="rId6"/>
+    <p:sldId id="259" r:id="rId7"/>
+    <p:sldId id="260" r:id="rId8"/>
+    <p:sldId id="261" r:id="rId9"/>
   </p:sldIdLst>
   <p:sldSz cx="12192000" cy="6858000"/>
   <p:notesSz cx="6858000" cy="9144000"/>
@@ -249,7 +250,7 @@
           <a:p>
             <a:fld id="{8484631F-0FD4-43A5-BAC0-679E520DF569}" type="datetimeFigureOut">
               <a:rPr lang="ko-KR" altLang="en-US" smtClean="0"/>
-              <a:t>2025-12-12</a:t>
+              <a:t>2025-12-13</a:t>
             </a:fld>
             <a:endParaRPr lang="ko-KR" altLang="en-US"/>
           </a:p>
@@ -419,7 +420,7 @@
           <a:p>
             <a:fld id="{8484631F-0FD4-43A5-BAC0-679E520DF569}" type="datetimeFigureOut">
               <a:rPr lang="ko-KR" altLang="en-US" smtClean="0"/>
-              <a:t>2025-12-12</a:t>
+              <a:t>2025-12-13</a:t>
             </a:fld>
             <a:endParaRPr lang="ko-KR" altLang="en-US"/>
           </a:p>
@@ -599,7 +600,7 @@
           <a:p>
             <a:fld id="{8484631F-0FD4-43A5-BAC0-679E520DF569}" type="datetimeFigureOut">
               <a:rPr lang="ko-KR" altLang="en-US" smtClean="0"/>
-              <a:t>2025-12-12</a:t>
+              <a:t>2025-12-13</a:t>
             </a:fld>
             <a:endParaRPr lang="ko-KR" altLang="en-US"/>
           </a:p>
@@ -769,7 +770,7 @@
           <a:p>
             <a:fld id="{8484631F-0FD4-43A5-BAC0-679E520DF569}" type="datetimeFigureOut">
               <a:rPr lang="ko-KR" altLang="en-US" smtClean="0"/>
-              <a:t>2025-12-12</a:t>
+              <a:t>2025-12-13</a:t>
             </a:fld>
             <a:endParaRPr lang="ko-KR" altLang="en-US"/>
           </a:p>
@@ -1015,7 +1016,7 @@
           <a:p>
             <a:fld id="{8484631F-0FD4-43A5-BAC0-679E520DF569}" type="datetimeFigureOut">
               <a:rPr lang="ko-KR" altLang="en-US" smtClean="0"/>
-              <a:t>2025-12-12</a:t>
+              <a:t>2025-12-13</a:t>
             </a:fld>
             <a:endParaRPr lang="ko-KR" altLang="en-US"/>
           </a:p>
@@ -1247,7 +1248,7 @@
           <a:p>
             <a:fld id="{8484631F-0FD4-43A5-BAC0-679E520DF569}" type="datetimeFigureOut">
               <a:rPr lang="ko-KR" altLang="en-US" smtClean="0"/>
-              <a:t>2025-12-12</a:t>
+              <a:t>2025-12-13</a:t>
             </a:fld>
             <a:endParaRPr lang="ko-KR" altLang="en-US"/>
           </a:p>
@@ -1614,7 +1615,7 @@
           <a:p>
             <a:fld id="{8484631F-0FD4-43A5-BAC0-679E520DF569}" type="datetimeFigureOut">
               <a:rPr lang="ko-KR" altLang="en-US" smtClean="0"/>
-              <a:t>2025-12-12</a:t>
+              <a:t>2025-12-13</a:t>
             </a:fld>
             <a:endParaRPr lang="ko-KR" altLang="en-US"/>
           </a:p>
@@ -1732,7 +1733,7 @@
           <a:p>
             <a:fld id="{8484631F-0FD4-43A5-BAC0-679E520DF569}" type="datetimeFigureOut">
               <a:rPr lang="ko-KR" altLang="en-US" smtClean="0"/>
-              <a:t>2025-12-12</a:t>
+              <a:t>2025-12-13</a:t>
             </a:fld>
             <a:endParaRPr lang="ko-KR" altLang="en-US"/>
           </a:p>
@@ -1827,7 +1828,7 @@
           <a:p>
             <a:fld id="{8484631F-0FD4-43A5-BAC0-679E520DF569}" type="datetimeFigureOut">
               <a:rPr lang="ko-KR" altLang="en-US" smtClean="0"/>
-              <a:t>2025-12-12</a:t>
+              <a:t>2025-12-13</a:t>
             </a:fld>
             <a:endParaRPr lang="ko-KR" altLang="en-US"/>
           </a:p>
@@ -2104,7 +2105,7 @@
           <a:p>
             <a:fld id="{8484631F-0FD4-43A5-BAC0-679E520DF569}" type="datetimeFigureOut">
               <a:rPr lang="ko-KR" altLang="en-US" smtClean="0"/>
-              <a:t>2025-12-12</a:t>
+              <a:t>2025-12-13</a:t>
             </a:fld>
             <a:endParaRPr lang="ko-KR" altLang="en-US"/>
           </a:p>
@@ -2357,7 +2358,7 @@
           <a:p>
             <a:fld id="{8484631F-0FD4-43A5-BAC0-679E520DF569}" type="datetimeFigureOut">
               <a:rPr lang="ko-KR" altLang="en-US" smtClean="0"/>
-              <a:t>2025-12-12</a:t>
+              <a:t>2025-12-13</a:t>
             </a:fld>
             <a:endParaRPr lang="ko-KR" altLang="en-US"/>
           </a:p>
@@ -2570,7 +2571,7 @@
           <a:p>
             <a:fld id="{8484631F-0FD4-43A5-BAC0-679E520DF569}" type="datetimeFigureOut">
               <a:rPr lang="ko-KR" altLang="en-US" smtClean="0"/>
-              <a:t>2025-12-12</a:t>
+              <a:t>2025-12-13</a:t>
             </a:fld>
             <a:endParaRPr lang="ko-KR" altLang="en-US"/>
           </a:p>
@@ -3353,6 +3354,30 @@
           </a:prstGeom>
         </p:spPr>
       </p:pic>
+      <p:pic>
+        <p:nvPicPr>
+          <p:cNvPr id="7" name="그림 6"/>
+          <p:cNvPicPr>
+            <a:picLocks noChangeAspect="1"/>
+          </p:cNvPicPr>
+          <p:nvPr/>
+        </p:nvPicPr>
+        <p:blipFill>
+          <a:blip r:embed="rId7"/>
+          <a:stretch>
+            <a:fillRect/>
+          </a:stretch>
+        </p:blipFill>
+        <p:spPr>
+          <a:xfrm>
+            <a:off x="2656492" y="4883934"/>
+            <a:ext cx="4559534" cy="1701887"/>
+          </a:xfrm>
+          <a:prstGeom prst="rect">
+            <a:avLst/>
+          </a:prstGeom>
+        </p:spPr>
+      </p:pic>
     </p:spTree>
     <p:extLst>
       <p:ext uri="{BB962C8B-B14F-4D97-AF65-F5344CB8AC3E}">
@@ -3367,6 +3392,60 @@
 </file>
 
 <file path=ppt/slides/slide3.xml><?xml version="1.0" encoding="utf-8"?>
+<p:sld xmlns:a="http://schemas.openxmlformats.org/drawingml/2006/main" xmlns:r="http://schemas.openxmlformats.org/officeDocument/2006/relationships" xmlns:p="http://schemas.openxmlformats.org/presentationml/2006/main">
+  <p:cSld>
+    <p:spTree>
+      <p:nvGrpSpPr>
+        <p:cNvPr id="1" name=""/>
+        <p:cNvGrpSpPr/>
+        <p:nvPr/>
+      </p:nvGrpSpPr>
+      <p:grpSpPr>
+        <a:xfrm>
+          <a:off x="0" y="0"/>
+          <a:ext cx="0" cy="0"/>
+          <a:chOff x="0" y="0"/>
+          <a:chExt cx="0" cy="0"/>
+        </a:xfrm>
+      </p:grpSpPr>
+      <p:pic>
+        <p:nvPicPr>
+          <p:cNvPr id="4" name="그림 3"/>
+          <p:cNvPicPr>
+            <a:picLocks noChangeAspect="1"/>
+          </p:cNvPicPr>
+          <p:nvPr/>
+        </p:nvPicPr>
+        <p:blipFill>
+          <a:blip r:embed="rId2"/>
+          <a:stretch>
+            <a:fillRect/>
+          </a:stretch>
+        </p:blipFill>
+        <p:spPr>
+          <a:xfrm>
+            <a:off x="503101" y="405089"/>
+            <a:ext cx="4769095" cy="3733992"/>
+          </a:xfrm>
+          <a:prstGeom prst="rect">
+            <a:avLst/>
+          </a:prstGeom>
+        </p:spPr>
+      </p:pic>
+    </p:spTree>
+    <p:extLst>
+      <p:ext uri="{BB962C8B-B14F-4D97-AF65-F5344CB8AC3E}">
+        <p14:creationId xmlns:p14="http://schemas.microsoft.com/office/powerpoint/2010/main" val="618278623"/>
+      </p:ext>
+    </p:extLst>
+  </p:cSld>
+  <p:clrMapOvr>
+    <a:masterClrMapping/>
+  </p:clrMapOvr>
+</p:sld>
+</file>
+
+<file path=ppt/slides/slide4.xml><?xml version="1.0" encoding="utf-8"?>
 <p:sld xmlns:a="http://schemas.openxmlformats.org/drawingml/2006/main" xmlns:r="http://schemas.openxmlformats.org/officeDocument/2006/relationships" xmlns:p="http://schemas.openxmlformats.org/presentationml/2006/main">
   <p:cSld>
     <p:spTree>
@@ -3625,252 +3704,6 @@
 </p:sld>
 </file>
 
-<file path=ppt/slides/slide4.xml><?xml version="1.0" encoding="utf-8"?>
-<p:sld xmlns:a="http://schemas.openxmlformats.org/drawingml/2006/main" xmlns:r="http://schemas.openxmlformats.org/officeDocument/2006/relationships" xmlns:p="http://schemas.openxmlformats.org/presentationml/2006/main">
-  <p:cSld>
-    <p:spTree>
-      <p:nvGrpSpPr>
-        <p:cNvPr id="1" name=""/>
-        <p:cNvGrpSpPr/>
-        <p:nvPr/>
-      </p:nvGrpSpPr>
-      <p:grpSpPr>
-        <a:xfrm>
-          <a:off x="0" y="0"/>
-          <a:ext cx="0" cy="0"/>
-          <a:chOff x="0" y="0"/>
-          <a:chExt cx="0" cy="0"/>
-        </a:xfrm>
-      </p:grpSpPr>
-      <p:pic>
-        <p:nvPicPr>
-          <p:cNvPr id="4" name="그림 3"/>
-          <p:cNvPicPr>
-            <a:picLocks noChangeAspect="1"/>
-          </p:cNvPicPr>
-          <p:nvPr/>
-        </p:nvPicPr>
-        <p:blipFill>
-          <a:blip r:embed="rId2"/>
-          <a:stretch>
-            <a:fillRect/>
-          </a:stretch>
-        </p:blipFill>
-        <p:spPr>
-          <a:xfrm>
-            <a:off x="325274" y="84388"/>
-            <a:ext cx="3053523" cy="1834291"/>
-          </a:xfrm>
-          <a:prstGeom prst="rect">
-            <a:avLst/>
-          </a:prstGeom>
-        </p:spPr>
-      </p:pic>
-      <p:pic>
-        <p:nvPicPr>
-          <p:cNvPr id="5" name="그림 4"/>
-          <p:cNvPicPr>
-            <a:picLocks noChangeAspect="1"/>
-          </p:cNvPicPr>
-          <p:nvPr/>
-        </p:nvPicPr>
-        <p:blipFill>
-          <a:blip r:embed="rId3"/>
-          <a:stretch>
-            <a:fillRect/>
-          </a:stretch>
-        </p:blipFill>
-        <p:spPr>
-          <a:xfrm>
-            <a:off x="3548890" y="84388"/>
-            <a:ext cx="4577563" cy="2443907"/>
-          </a:xfrm>
-          <a:prstGeom prst="rect">
-            <a:avLst/>
-          </a:prstGeom>
-        </p:spPr>
-      </p:pic>
-      <p:pic>
-        <p:nvPicPr>
-          <p:cNvPr id="6" name="그림 5"/>
-          <p:cNvPicPr>
-            <a:picLocks noChangeAspect="1"/>
-          </p:cNvPicPr>
-          <p:nvPr/>
-        </p:nvPicPr>
-        <p:blipFill>
-          <a:blip r:embed="rId4"/>
-          <a:stretch>
-            <a:fillRect/>
-          </a:stretch>
-        </p:blipFill>
-        <p:spPr>
-          <a:xfrm>
-            <a:off x="448065" y="2462681"/>
-            <a:ext cx="2340490" cy="1235561"/>
-          </a:xfrm>
-          <a:prstGeom prst="rect">
-            <a:avLst/>
-          </a:prstGeom>
-        </p:spPr>
-      </p:pic>
-      <p:pic>
-        <p:nvPicPr>
-          <p:cNvPr id="7" name="그림 6"/>
-          <p:cNvPicPr>
-            <a:picLocks noChangeAspect="1"/>
-          </p:cNvPicPr>
-          <p:nvPr/>
-        </p:nvPicPr>
-        <p:blipFill>
-          <a:blip r:embed="rId5"/>
-          <a:stretch>
-            <a:fillRect/>
-          </a:stretch>
-        </p:blipFill>
-        <p:spPr>
-          <a:xfrm>
-            <a:off x="3212762" y="2620460"/>
-            <a:ext cx="4626550" cy="1502268"/>
-          </a:xfrm>
-          <a:prstGeom prst="rect">
-            <a:avLst/>
-          </a:prstGeom>
-        </p:spPr>
-      </p:pic>
-      <p:pic>
-        <p:nvPicPr>
-          <p:cNvPr id="8" name="그림 7"/>
-          <p:cNvPicPr>
-            <a:picLocks noChangeAspect="1"/>
-          </p:cNvPicPr>
-          <p:nvPr/>
-        </p:nvPicPr>
-        <p:blipFill>
-          <a:blip r:embed="rId6"/>
-          <a:stretch>
-            <a:fillRect/>
-          </a:stretch>
-        </p:blipFill>
-        <p:spPr>
-          <a:xfrm>
-            <a:off x="8498010" y="319236"/>
-            <a:ext cx="2683399" cy="1110372"/>
-          </a:xfrm>
-          <a:prstGeom prst="rect">
-            <a:avLst/>
-          </a:prstGeom>
-        </p:spPr>
-      </p:pic>
-      <p:pic>
-        <p:nvPicPr>
-          <p:cNvPr id="9" name="그림 8"/>
-          <p:cNvPicPr>
-            <a:picLocks noChangeAspect="1"/>
-          </p:cNvPicPr>
-          <p:nvPr/>
-        </p:nvPicPr>
-        <p:blipFill>
-          <a:blip r:embed="rId7"/>
-          <a:stretch>
-            <a:fillRect/>
-          </a:stretch>
-        </p:blipFill>
-        <p:spPr>
-          <a:xfrm>
-            <a:off x="496615" y="3925995"/>
-            <a:ext cx="2046568" cy="990626"/>
-          </a:xfrm>
-          <a:prstGeom prst="rect">
-            <a:avLst/>
-          </a:prstGeom>
-        </p:spPr>
-      </p:pic>
-      <p:pic>
-        <p:nvPicPr>
-          <p:cNvPr id="10" name="그림 9"/>
-          <p:cNvPicPr>
-            <a:picLocks noChangeAspect="1"/>
-          </p:cNvPicPr>
-          <p:nvPr/>
-        </p:nvPicPr>
-        <p:blipFill>
-          <a:blip r:embed="rId8"/>
-          <a:stretch>
-            <a:fillRect/>
-          </a:stretch>
-        </p:blipFill>
-        <p:spPr>
-          <a:xfrm>
-            <a:off x="3276764" y="4365652"/>
-            <a:ext cx="3293015" cy="1398851"/>
-          </a:xfrm>
-          <a:prstGeom prst="rect">
-            <a:avLst/>
-          </a:prstGeom>
-        </p:spPr>
-      </p:pic>
-      <p:pic>
-        <p:nvPicPr>
-          <p:cNvPr id="11" name="그림 10"/>
-          <p:cNvPicPr>
-            <a:picLocks noChangeAspect="1"/>
-          </p:cNvPicPr>
-          <p:nvPr/>
-        </p:nvPicPr>
-        <p:blipFill>
-          <a:blip r:embed="rId9"/>
-          <a:stretch>
-            <a:fillRect/>
-          </a:stretch>
-        </p:blipFill>
-        <p:spPr>
-          <a:xfrm>
-            <a:off x="8750232" y="2766402"/>
-            <a:ext cx="1170245" cy="751134"/>
-          </a:xfrm>
-          <a:prstGeom prst="rect">
-            <a:avLst/>
-          </a:prstGeom>
-        </p:spPr>
-      </p:pic>
-      <p:pic>
-        <p:nvPicPr>
-          <p:cNvPr id="12" name="그림 11"/>
-          <p:cNvPicPr>
-            <a:picLocks noChangeAspect="1"/>
-          </p:cNvPicPr>
-          <p:nvPr/>
-        </p:nvPicPr>
-        <p:blipFill>
-          <a:blip r:embed="rId10"/>
-          <a:stretch>
-            <a:fillRect/>
-          </a:stretch>
-        </p:blipFill>
-        <p:spPr>
-          <a:xfrm>
-            <a:off x="6829569" y="4184724"/>
-            <a:ext cx="3494406" cy="1170245"/>
-          </a:xfrm>
-          <a:prstGeom prst="rect">
-            <a:avLst/>
-          </a:prstGeom>
-        </p:spPr>
-      </p:pic>
-    </p:spTree>
-    <p:extLst>
-      <p:ext uri="{BB962C8B-B14F-4D97-AF65-F5344CB8AC3E}">
-        <p14:creationId xmlns:p14="http://schemas.microsoft.com/office/powerpoint/2010/main" val="3963893147"/>
-      </p:ext>
-    </p:extLst>
-  </p:cSld>
-  <p:clrMapOvr>
-    <a:masterClrMapping/>
-  </p:clrMapOvr>
-</p:sld>
-</file>
-
 <file path=ppt/slides/slide5.xml><?xml version="1.0" encoding="utf-8"?>
 <p:sld xmlns:a="http://schemas.openxmlformats.org/drawingml/2006/main" xmlns:r="http://schemas.openxmlformats.org/officeDocument/2006/relationships" xmlns:p="http://schemas.openxmlformats.org/presentationml/2006/main">
   <p:cSld>
@@ -3904,8 +3737,8 @@
         </p:blipFill>
         <p:spPr>
           <a:xfrm>
-            <a:off x="347159" y="105263"/>
-            <a:ext cx="2204415" cy="1936619"/>
+            <a:off x="325274" y="84388"/>
+            <a:ext cx="3053523" cy="1834291"/>
           </a:xfrm>
           <a:prstGeom prst="rect">
             <a:avLst/>
@@ -3914,7 +3747,7 @@
       </p:pic>
       <p:pic>
         <p:nvPicPr>
-          <p:cNvPr id="2" name="그림 1"/>
+          <p:cNvPr id="5" name="그림 4"/>
           <p:cNvPicPr>
             <a:picLocks noChangeAspect="1"/>
           </p:cNvPicPr>
@@ -3928,57 +3761,17 @@
         </p:blipFill>
         <p:spPr>
           <a:xfrm>
-            <a:off x="3186469" y="105263"/>
-            <a:ext cx="5701508" cy="2400635"/>
+            <a:off x="3548890" y="84388"/>
+            <a:ext cx="4577563" cy="2443907"/>
           </a:xfrm>
           <a:prstGeom prst="rect">
             <a:avLst/>
           </a:prstGeom>
         </p:spPr>
       </p:pic>
-      <p:sp>
-        <p:nvSpPr>
-          <p:cNvPr id="3" name="직사각형 2"/>
-          <p:cNvSpPr/>
-          <p:nvPr/>
-        </p:nvSpPr>
-        <p:spPr>
-          <a:xfrm>
-            <a:off x="5243843" y="3244334"/>
-            <a:ext cx="1704313" cy="369332"/>
-          </a:xfrm>
-          <a:prstGeom prst="rect">
-            <a:avLst/>
-          </a:prstGeom>
-        </p:spPr>
-        <p:txBody>
-          <a:bodyPr wrap="none">
-            <a:spAutoFit/>
-          </a:bodyPr>
-          <a:lstStyle/>
-          <a:p>
-            <a:r>
-              <a:rPr lang="en-US" altLang="ko-KR" u="sng" dirty="0">
-                <a:solidFill>
-                  <a:srgbClr val="CCCCCC"/>
-                </a:solidFill>
-                <a:latin typeface="Consolas" panose="020B0609020204030204" pitchFamily="49" charset="0"/>
-              </a:rPr>
-              <a:t>image/01-02-</a:t>
-            </a:r>
-            <a:endParaRPr lang="en-US" altLang="ko-KR" b="0" dirty="0">
-              <a:solidFill>
-                <a:srgbClr val="CCCCCC"/>
-              </a:solidFill>
-              <a:effectLst/>
-              <a:latin typeface="Consolas" panose="020B0609020204030204" pitchFamily="49" charset="0"/>
-            </a:endParaRPr>
-          </a:p>
-        </p:txBody>
-      </p:sp>
       <p:pic>
         <p:nvPicPr>
-          <p:cNvPr id="5" name="그림 4"/>
+          <p:cNvPr id="6" name="그림 5"/>
           <p:cNvPicPr>
             <a:picLocks noChangeAspect="1"/>
           </p:cNvPicPr>
@@ -3992,8 +3785,8 @@
         </p:blipFill>
         <p:spPr>
           <a:xfrm>
-            <a:off x="347159" y="2963815"/>
-            <a:ext cx="3429479" cy="2281556"/>
+            <a:off x="448065" y="2462681"/>
+            <a:ext cx="2340490" cy="1235561"/>
           </a:xfrm>
           <a:prstGeom prst="rect">
             <a:avLst/>
@@ -4002,7 +3795,7 @@
       </p:pic>
       <p:pic>
         <p:nvPicPr>
-          <p:cNvPr id="6" name="그림 5"/>
+          <p:cNvPr id="7" name="그림 6"/>
           <p:cNvPicPr>
             <a:picLocks noChangeAspect="1"/>
           </p:cNvPicPr>
@@ -4016,8 +3809,128 @@
         </p:blipFill>
         <p:spPr>
           <a:xfrm>
-            <a:off x="5727216" y="2505898"/>
-            <a:ext cx="3467584" cy="3543795"/>
+            <a:off x="3212762" y="2620460"/>
+            <a:ext cx="4626550" cy="1502268"/>
+          </a:xfrm>
+          <a:prstGeom prst="rect">
+            <a:avLst/>
+          </a:prstGeom>
+        </p:spPr>
+      </p:pic>
+      <p:pic>
+        <p:nvPicPr>
+          <p:cNvPr id="8" name="그림 7"/>
+          <p:cNvPicPr>
+            <a:picLocks noChangeAspect="1"/>
+          </p:cNvPicPr>
+          <p:nvPr/>
+        </p:nvPicPr>
+        <p:blipFill>
+          <a:blip r:embed="rId6"/>
+          <a:stretch>
+            <a:fillRect/>
+          </a:stretch>
+        </p:blipFill>
+        <p:spPr>
+          <a:xfrm>
+            <a:off x="8498010" y="319236"/>
+            <a:ext cx="2683399" cy="1110372"/>
+          </a:xfrm>
+          <a:prstGeom prst="rect">
+            <a:avLst/>
+          </a:prstGeom>
+        </p:spPr>
+      </p:pic>
+      <p:pic>
+        <p:nvPicPr>
+          <p:cNvPr id="9" name="그림 8"/>
+          <p:cNvPicPr>
+            <a:picLocks noChangeAspect="1"/>
+          </p:cNvPicPr>
+          <p:nvPr/>
+        </p:nvPicPr>
+        <p:blipFill>
+          <a:blip r:embed="rId7"/>
+          <a:stretch>
+            <a:fillRect/>
+          </a:stretch>
+        </p:blipFill>
+        <p:spPr>
+          <a:xfrm>
+            <a:off x="496615" y="3925995"/>
+            <a:ext cx="2046568" cy="990626"/>
+          </a:xfrm>
+          <a:prstGeom prst="rect">
+            <a:avLst/>
+          </a:prstGeom>
+        </p:spPr>
+      </p:pic>
+      <p:pic>
+        <p:nvPicPr>
+          <p:cNvPr id="10" name="그림 9"/>
+          <p:cNvPicPr>
+            <a:picLocks noChangeAspect="1"/>
+          </p:cNvPicPr>
+          <p:nvPr/>
+        </p:nvPicPr>
+        <p:blipFill>
+          <a:blip r:embed="rId8"/>
+          <a:stretch>
+            <a:fillRect/>
+          </a:stretch>
+        </p:blipFill>
+        <p:spPr>
+          <a:xfrm>
+            <a:off x="3276764" y="4365652"/>
+            <a:ext cx="3293015" cy="1398851"/>
+          </a:xfrm>
+          <a:prstGeom prst="rect">
+            <a:avLst/>
+          </a:prstGeom>
+        </p:spPr>
+      </p:pic>
+      <p:pic>
+        <p:nvPicPr>
+          <p:cNvPr id="11" name="그림 10"/>
+          <p:cNvPicPr>
+            <a:picLocks noChangeAspect="1"/>
+          </p:cNvPicPr>
+          <p:nvPr/>
+        </p:nvPicPr>
+        <p:blipFill>
+          <a:blip r:embed="rId9"/>
+          <a:stretch>
+            <a:fillRect/>
+          </a:stretch>
+        </p:blipFill>
+        <p:spPr>
+          <a:xfrm>
+            <a:off x="8750232" y="2766402"/>
+            <a:ext cx="1170245" cy="751134"/>
+          </a:xfrm>
+          <a:prstGeom prst="rect">
+            <a:avLst/>
+          </a:prstGeom>
+        </p:spPr>
+      </p:pic>
+      <p:pic>
+        <p:nvPicPr>
+          <p:cNvPr id="12" name="그림 11"/>
+          <p:cNvPicPr>
+            <a:picLocks noChangeAspect="1"/>
+          </p:cNvPicPr>
+          <p:nvPr/>
+        </p:nvPicPr>
+        <p:blipFill>
+          <a:blip r:embed="rId10"/>
+          <a:stretch>
+            <a:fillRect/>
+          </a:stretch>
+        </p:blipFill>
+        <p:spPr>
+          <a:xfrm>
+            <a:off x="6829569" y="4184724"/>
+            <a:ext cx="3494406" cy="1170245"/>
           </a:xfrm>
           <a:prstGeom prst="rect">
             <a:avLst/>
@@ -4027,7 +3940,7 @@
     </p:spTree>
     <p:extLst>
       <p:ext uri="{BB962C8B-B14F-4D97-AF65-F5344CB8AC3E}">
-        <p14:creationId xmlns:p14="http://schemas.microsoft.com/office/powerpoint/2010/main" val="3195221694"/>
+        <p14:creationId xmlns:p14="http://schemas.microsoft.com/office/powerpoint/2010/main" val="3963893147"/>
       </p:ext>
     </p:extLst>
   </p:cSld>
@@ -4070,6 +3983,172 @@
         </p:blipFill>
         <p:spPr>
           <a:xfrm>
+            <a:off x="347159" y="105263"/>
+            <a:ext cx="2204415" cy="1936619"/>
+          </a:xfrm>
+          <a:prstGeom prst="rect">
+            <a:avLst/>
+          </a:prstGeom>
+        </p:spPr>
+      </p:pic>
+      <p:pic>
+        <p:nvPicPr>
+          <p:cNvPr id="2" name="그림 1"/>
+          <p:cNvPicPr>
+            <a:picLocks noChangeAspect="1"/>
+          </p:cNvPicPr>
+          <p:nvPr/>
+        </p:nvPicPr>
+        <p:blipFill>
+          <a:blip r:embed="rId3"/>
+          <a:stretch>
+            <a:fillRect/>
+          </a:stretch>
+        </p:blipFill>
+        <p:spPr>
+          <a:xfrm>
+            <a:off x="3186469" y="105263"/>
+            <a:ext cx="5701508" cy="2400635"/>
+          </a:xfrm>
+          <a:prstGeom prst="rect">
+            <a:avLst/>
+          </a:prstGeom>
+        </p:spPr>
+      </p:pic>
+      <p:sp>
+        <p:nvSpPr>
+          <p:cNvPr id="3" name="직사각형 2"/>
+          <p:cNvSpPr/>
+          <p:nvPr/>
+        </p:nvSpPr>
+        <p:spPr>
+          <a:xfrm>
+            <a:off x="5243843" y="3244334"/>
+            <a:ext cx="1704313" cy="369332"/>
+          </a:xfrm>
+          <a:prstGeom prst="rect">
+            <a:avLst/>
+          </a:prstGeom>
+        </p:spPr>
+        <p:txBody>
+          <a:bodyPr wrap="none">
+            <a:spAutoFit/>
+          </a:bodyPr>
+          <a:lstStyle/>
+          <a:p>
+            <a:r>
+              <a:rPr lang="en-US" altLang="ko-KR" u="sng" dirty="0">
+                <a:solidFill>
+                  <a:srgbClr val="CCCCCC"/>
+                </a:solidFill>
+                <a:latin typeface="Consolas" panose="020B0609020204030204" pitchFamily="49" charset="0"/>
+              </a:rPr>
+              <a:t>image/01-02-</a:t>
+            </a:r>
+            <a:endParaRPr lang="en-US" altLang="ko-KR" b="0" dirty="0">
+              <a:solidFill>
+                <a:srgbClr val="CCCCCC"/>
+              </a:solidFill>
+              <a:effectLst/>
+              <a:latin typeface="Consolas" panose="020B0609020204030204" pitchFamily="49" charset="0"/>
+            </a:endParaRPr>
+          </a:p>
+        </p:txBody>
+      </p:sp>
+      <p:pic>
+        <p:nvPicPr>
+          <p:cNvPr id="5" name="그림 4"/>
+          <p:cNvPicPr>
+            <a:picLocks noChangeAspect="1"/>
+          </p:cNvPicPr>
+          <p:nvPr/>
+        </p:nvPicPr>
+        <p:blipFill>
+          <a:blip r:embed="rId4"/>
+          <a:stretch>
+            <a:fillRect/>
+          </a:stretch>
+        </p:blipFill>
+        <p:spPr>
+          <a:xfrm>
+            <a:off x="347159" y="2963815"/>
+            <a:ext cx="3429479" cy="2281556"/>
+          </a:xfrm>
+          <a:prstGeom prst="rect">
+            <a:avLst/>
+          </a:prstGeom>
+        </p:spPr>
+      </p:pic>
+      <p:pic>
+        <p:nvPicPr>
+          <p:cNvPr id="6" name="그림 5"/>
+          <p:cNvPicPr>
+            <a:picLocks noChangeAspect="1"/>
+          </p:cNvPicPr>
+          <p:nvPr/>
+        </p:nvPicPr>
+        <p:blipFill>
+          <a:blip r:embed="rId5"/>
+          <a:stretch>
+            <a:fillRect/>
+          </a:stretch>
+        </p:blipFill>
+        <p:spPr>
+          <a:xfrm>
+            <a:off x="5727216" y="2505898"/>
+            <a:ext cx="3467584" cy="3543795"/>
+          </a:xfrm>
+          <a:prstGeom prst="rect">
+            <a:avLst/>
+          </a:prstGeom>
+        </p:spPr>
+      </p:pic>
+    </p:spTree>
+    <p:extLst>
+      <p:ext uri="{BB962C8B-B14F-4D97-AF65-F5344CB8AC3E}">
+        <p14:creationId xmlns:p14="http://schemas.microsoft.com/office/powerpoint/2010/main" val="3195221694"/>
+      </p:ext>
+    </p:extLst>
+  </p:cSld>
+  <p:clrMapOvr>
+    <a:masterClrMapping/>
+  </p:clrMapOvr>
+</p:sld>
+</file>
+
+<file path=ppt/slides/slide7.xml><?xml version="1.0" encoding="utf-8"?>
+<p:sld xmlns:a="http://schemas.openxmlformats.org/drawingml/2006/main" xmlns:r="http://schemas.openxmlformats.org/officeDocument/2006/relationships" xmlns:p="http://schemas.openxmlformats.org/presentationml/2006/main">
+  <p:cSld>
+    <p:spTree>
+      <p:nvGrpSpPr>
+        <p:cNvPr id="1" name=""/>
+        <p:cNvGrpSpPr/>
+        <p:nvPr/>
+      </p:nvGrpSpPr>
+      <p:grpSpPr>
+        <a:xfrm>
+          <a:off x="0" y="0"/>
+          <a:ext cx="0" cy="0"/>
+          <a:chOff x="0" y="0"/>
+          <a:chExt cx="0" cy="0"/>
+        </a:xfrm>
+      </p:grpSpPr>
+      <p:pic>
+        <p:nvPicPr>
+          <p:cNvPr id="4" name="그림 3"/>
+          <p:cNvPicPr>
+            <a:picLocks noChangeAspect="1"/>
+          </p:cNvPicPr>
+          <p:nvPr/>
+        </p:nvPicPr>
+        <p:blipFill>
+          <a:blip r:embed="rId2"/>
+          <a:stretch>
+            <a:fillRect/>
+          </a:stretch>
+        </p:blipFill>
+        <p:spPr>
+          <a:xfrm>
             <a:off x="516964" y="263366"/>
             <a:ext cx="2634412" cy="1948594"/>
           </a:xfrm>
@@ -4227,7 +4306,7 @@
 </p:sld>
 </file>
 
-<file path=ppt/slides/slide7.xml><?xml version="1.0" encoding="utf-8"?>
+<file path=ppt/slides/slide8.xml><?xml version="1.0" encoding="utf-8"?>
 <p:sld xmlns:a="http://schemas.openxmlformats.org/drawingml/2006/main" xmlns:r="http://schemas.openxmlformats.org/officeDocument/2006/relationships" xmlns:p="http://schemas.openxmlformats.org/presentationml/2006/main">
   <p:cSld>
     <p:spTree>

--- a/image/이미지_생성용.pptx
+++ b/image/이미지_생성용.pptx
@@ -7,12 +7,13 @@
   <p:sldIdLst>
     <p:sldId id="256" r:id="rId2"/>
     <p:sldId id="262" r:id="rId3"/>
-    <p:sldId id="263" r:id="rId4"/>
-    <p:sldId id="257" r:id="rId5"/>
-    <p:sldId id="258" r:id="rId6"/>
-    <p:sldId id="259" r:id="rId7"/>
-    <p:sldId id="260" r:id="rId8"/>
-    <p:sldId id="261" r:id="rId9"/>
+    <p:sldId id="264" r:id="rId4"/>
+    <p:sldId id="263" r:id="rId5"/>
+    <p:sldId id="257" r:id="rId6"/>
+    <p:sldId id="258" r:id="rId7"/>
+    <p:sldId id="259" r:id="rId8"/>
+    <p:sldId id="260" r:id="rId9"/>
+    <p:sldId id="261" r:id="rId10"/>
   </p:sldIdLst>
   <p:sldSz cx="12192000" cy="6858000"/>
   <p:notesSz cx="6858000" cy="9144000"/>
@@ -250,7 +251,7 @@
           <a:p>
             <a:fld id="{8484631F-0FD4-43A5-BAC0-679E520DF569}" type="datetimeFigureOut">
               <a:rPr lang="ko-KR" altLang="en-US" smtClean="0"/>
-              <a:t>2025-12-13</a:t>
+              <a:t>2025-12-17</a:t>
             </a:fld>
             <a:endParaRPr lang="ko-KR" altLang="en-US"/>
           </a:p>
@@ -420,7 +421,7 @@
           <a:p>
             <a:fld id="{8484631F-0FD4-43A5-BAC0-679E520DF569}" type="datetimeFigureOut">
               <a:rPr lang="ko-KR" altLang="en-US" smtClean="0"/>
-              <a:t>2025-12-13</a:t>
+              <a:t>2025-12-17</a:t>
             </a:fld>
             <a:endParaRPr lang="ko-KR" altLang="en-US"/>
           </a:p>
@@ -600,7 +601,7 @@
           <a:p>
             <a:fld id="{8484631F-0FD4-43A5-BAC0-679E520DF569}" type="datetimeFigureOut">
               <a:rPr lang="ko-KR" altLang="en-US" smtClean="0"/>
-              <a:t>2025-12-13</a:t>
+              <a:t>2025-12-17</a:t>
             </a:fld>
             <a:endParaRPr lang="ko-KR" altLang="en-US"/>
           </a:p>
@@ -770,7 +771,7 @@
           <a:p>
             <a:fld id="{8484631F-0FD4-43A5-BAC0-679E520DF569}" type="datetimeFigureOut">
               <a:rPr lang="ko-KR" altLang="en-US" smtClean="0"/>
-              <a:t>2025-12-13</a:t>
+              <a:t>2025-12-17</a:t>
             </a:fld>
             <a:endParaRPr lang="ko-KR" altLang="en-US"/>
           </a:p>
@@ -1016,7 +1017,7 @@
           <a:p>
             <a:fld id="{8484631F-0FD4-43A5-BAC0-679E520DF569}" type="datetimeFigureOut">
               <a:rPr lang="ko-KR" altLang="en-US" smtClean="0"/>
-              <a:t>2025-12-13</a:t>
+              <a:t>2025-12-17</a:t>
             </a:fld>
             <a:endParaRPr lang="ko-KR" altLang="en-US"/>
           </a:p>
@@ -1248,7 +1249,7 @@
           <a:p>
             <a:fld id="{8484631F-0FD4-43A5-BAC0-679E520DF569}" type="datetimeFigureOut">
               <a:rPr lang="ko-KR" altLang="en-US" smtClean="0"/>
-              <a:t>2025-12-13</a:t>
+              <a:t>2025-12-17</a:t>
             </a:fld>
             <a:endParaRPr lang="ko-KR" altLang="en-US"/>
           </a:p>
@@ -1615,7 +1616,7 @@
           <a:p>
             <a:fld id="{8484631F-0FD4-43A5-BAC0-679E520DF569}" type="datetimeFigureOut">
               <a:rPr lang="ko-KR" altLang="en-US" smtClean="0"/>
-              <a:t>2025-12-13</a:t>
+              <a:t>2025-12-17</a:t>
             </a:fld>
             <a:endParaRPr lang="ko-KR" altLang="en-US"/>
           </a:p>
@@ -1733,7 +1734,7 @@
           <a:p>
             <a:fld id="{8484631F-0FD4-43A5-BAC0-679E520DF569}" type="datetimeFigureOut">
               <a:rPr lang="ko-KR" altLang="en-US" smtClean="0"/>
-              <a:t>2025-12-13</a:t>
+              <a:t>2025-12-17</a:t>
             </a:fld>
             <a:endParaRPr lang="ko-KR" altLang="en-US"/>
           </a:p>
@@ -1828,7 +1829,7 @@
           <a:p>
             <a:fld id="{8484631F-0FD4-43A5-BAC0-679E520DF569}" type="datetimeFigureOut">
               <a:rPr lang="ko-KR" altLang="en-US" smtClean="0"/>
-              <a:t>2025-12-13</a:t>
+              <a:t>2025-12-17</a:t>
             </a:fld>
             <a:endParaRPr lang="ko-KR" altLang="en-US"/>
           </a:p>
@@ -2105,7 +2106,7 @@
           <a:p>
             <a:fld id="{8484631F-0FD4-43A5-BAC0-679E520DF569}" type="datetimeFigureOut">
               <a:rPr lang="ko-KR" altLang="en-US" smtClean="0"/>
-              <a:t>2025-12-13</a:t>
+              <a:t>2025-12-17</a:t>
             </a:fld>
             <a:endParaRPr lang="ko-KR" altLang="en-US"/>
           </a:p>
@@ -2358,7 +2359,7 @@
           <a:p>
             <a:fld id="{8484631F-0FD4-43A5-BAC0-679E520DF569}" type="datetimeFigureOut">
               <a:rPr lang="ko-KR" altLang="en-US" smtClean="0"/>
-              <a:t>2025-12-13</a:t>
+              <a:t>2025-12-17</a:t>
             </a:fld>
             <a:endParaRPr lang="ko-KR" altLang="en-US"/>
           </a:p>
@@ -2571,7 +2572,7 @@
           <a:p>
             <a:fld id="{8484631F-0FD4-43A5-BAC0-679E520DF569}" type="datetimeFigureOut">
               <a:rPr lang="ko-KR" altLang="en-US" smtClean="0"/>
-              <a:t>2025-12-13</a:t>
+              <a:t>2025-12-17</a:t>
             </a:fld>
             <a:endParaRPr lang="ko-KR" altLang="en-US"/>
           </a:p>
@@ -3408,6 +3409,36 @@
           <a:chExt cx="0" cy="0"/>
         </a:xfrm>
       </p:grpSpPr>
+    </p:spTree>
+    <p:extLst>
+      <p:ext uri="{BB962C8B-B14F-4D97-AF65-F5344CB8AC3E}">
+        <p14:creationId xmlns:p14="http://schemas.microsoft.com/office/powerpoint/2010/main" val="936970009"/>
+      </p:ext>
+    </p:extLst>
+  </p:cSld>
+  <p:clrMapOvr>
+    <a:masterClrMapping/>
+  </p:clrMapOvr>
+</p:sld>
+</file>
+
+<file path=ppt/slides/slide4.xml><?xml version="1.0" encoding="utf-8"?>
+<p:sld xmlns:a="http://schemas.openxmlformats.org/drawingml/2006/main" xmlns:r="http://schemas.openxmlformats.org/officeDocument/2006/relationships" xmlns:p="http://schemas.openxmlformats.org/presentationml/2006/main">
+  <p:cSld>
+    <p:spTree>
+      <p:nvGrpSpPr>
+        <p:cNvPr id="1" name=""/>
+        <p:cNvGrpSpPr/>
+        <p:nvPr/>
+      </p:nvGrpSpPr>
+      <p:grpSpPr>
+        <a:xfrm>
+          <a:off x="0" y="0"/>
+          <a:ext cx="0" cy="0"/>
+          <a:chOff x="0" y="0"/>
+          <a:chExt cx="0" cy="0"/>
+        </a:xfrm>
+      </p:grpSpPr>
       <p:pic>
         <p:nvPicPr>
           <p:cNvPr id="4" name="그림 3"/>
@@ -3432,6 +3463,54 @@
           </a:prstGeom>
         </p:spPr>
       </p:pic>
+      <p:pic>
+        <p:nvPicPr>
+          <p:cNvPr id="2" name="그림 1"/>
+          <p:cNvPicPr>
+            <a:picLocks noChangeAspect="1"/>
+          </p:cNvPicPr>
+          <p:nvPr/>
+        </p:nvPicPr>
+        <p:blipFill>
+          <a:blip r:embed="rId3"/>
+          <a:stretch>
+            <a:fillRect/>
+          </a:stretch>
+        </p:blipFill>
+        <p:spPr>
+          <a:xfrm>
+            <a:off x="5655626" y="319187"/>
+            <a:ext cx="3760995" cy="2734057"/>
+          </a:xfrm>
+          <a:prstGeom prst="rect">
+            <a:avLst/>
+          </a:prstGeom>
+        </p:spPr>
+      </p:pic>
+      <p:pic>
+        <p:nvPicPr>
+          <p:cNvPr id="3" name="그림 2"/>
+          <p:cNvPicPr>
+            <a:picLocks noChangeAspect="1"/>
+          </p:cNvPicPr>
+          <p:nvPr/>
+        </p:nvPicPr>
+        <p:blipFill>
+          <a:blip r:embed="rId4"/>
+          <a:stretch>
+            <a:fillRect/>
+          </a:stretch>
+        </p:blipFill>
+        <p:spPr>
+          <a:xfrm>
+            <a:off x="5655626" y="3581927"/>
+            <a:ext cx="4563112" cy="1543265"/>
+          </a:xfrm>
+          <a:prstGeom prst="rect">
+            <a:avLst/>
+          </a:prstGeom>
+        </p:spPr>
+      </p:pic>
     </p:spTree>
     <p:extLst>
       <p:ext uri="{BB962C8B-B14F-4D97-AF65-F5344CB8AC3E}">
@@ -3445,7 +3524,7 @@
 </p:sld>
 </file>
 
-<file path=ppt/slides/slide4.xml><?xml version="1.0" encoding="utf-8"?>
+<file path=ppt/slides/slide5.xml><?xml version="1.0" encoding="utf-8"?>
 <p:sld xmlns:a="http://schemas.openxmlformats.org/drawingml/2006/main" xmlns:r="http://schemas.openxmlformats.org/officeDocument/2006/relationships" xmlns:p="http://schemas.openxmlformats.org/presentationml/2006/main">
   <p:cSld>
     <p:spTree>
@@ -3704,252 +3783,6 @@
 </p:sld>
 </file>
 
-<file path=ppt/slides/slide5.xml><?xml version="1.0" encoding="utf-8"?>
-<p:sld xmlns:a="http://schemas.openxmlformats.org/drawingml/2006/main" xmlns:r="http://schemas.openxmlformats.org/officeDocument/2006/relationships" xmlns:p="http://schemas.openxmlformats.org/presentationml/2006/main">
-  <p:cSld>
-    <p:spTree>
-      <p:nvGrpSpPr>
-        <p:cNvPr id="1" name=""/>
-        <p:cNvGrpSpPr/>
-        <p:nvPr/>
-      </p:nvGrpSpPr>
-      <p:grpSpPr>
-        <a:xfrm>
-          <a:off x="0" y="0"/>
-          <a:ext cx="0" cy="0"/>
-          <a:chOff x="0" y="0"/>
-          <a:chExt cx="0" cy="0"/>
-        </a:xfrm>
-      </p:grpSpPr>
-      <p:pic>
-        <p:nvPicPr>
-          <p:cNvPr id="4" name="그림 3"/>
-          <p:cNvPicPr>
-            <a:picLocks noChangeAspect="1"/>
-          </p:cNvPicPr>
-          <p:nvPr/>
-        </p:nvPicPr>
-        <p:blipFill>
-          <a:blip r:embed="rId2"/>
-          <a:stretch>
-            <a:fillRect/>
-          </a:stretch>
-        </p:blipFill>
-        <p:spPr>
-          <a:xfrm>
-            <a:off x="325274" y="84388"/>
-            <a:ext cx="3053523" cy="1834291"/>
-          </a:xfrm>
-          <a:prstGeom prst="rect">
-            <a:avLst/>
-          </a:prstGeom>
-        </p:spPr>
-      </p:pic>
-      <p:pic>
-        <p:nvPicPr>
-          <p:cNvPr id="5" name="그림 4"/>
-          <p:cNvPicPr>
-            <a:picLocks noChangeAspect="1"/>
-          </p:cNvPicPr>
-          <p:nvPr/>
-        </p:nvPicPr>
-        <p:blipFill>
-          <a:blip r:embed="rId3"/>
-          <a:stretch>
-            <a:fillRect/>
-          </a:stretch>
-        </p:blipFill>
-        <p:spPr>
-          <a:xfrm>
-            <a:off x="3548890" y="84388"/>
-            <a:ext cx="4577563" cy="2443907"/>
-          </a:xfrm>
-          <a:prstGeom prst="rect">
-            <a:avLst/>
-          </a:prstGeom>
-        </p:spPr>
-      </p:pic>
-      <p:pic>
-        <p:nvPicPr>
-          <p:cNvPr id="6" name="그림 5"/>
-          <p:cNvPicPr>
-            <a:picLocks noChangeAspect="1"/>
-          </p:cNvPicPr>
-          <p:nvPr/>
-        </p:nvPicPr>
-        <p:blipFill>
-          <a:blip r:embed="rId4"/>
-          <a:stretch>
-            <a:fillRect/>
-          </a:stretch>
-        </p:blipFill>
-        <p:spPr>
-          <a:xfrm>
-            <a:off x="448065" y="2462681"/>
-            <a:ext cx="2340490" cy="1235561"/>
-          </a:xfrm>
-          <a:prstGeom prst="rect">
-            <a:avLst/>
-          </a:prstGeom>
-        </p:spPr>
-      </p:pic>
-      <p:pic>
-        <p:nvPicPr>
-          <p:cNvPr id="7" name="그림 6"/>
-          <p:cNvPicPr>
-            <a:picLocks noChangeAspect="1"/>
-          </p:cNvPicPr>
-          <p:nvPr/>
-        </p:nvPicPr>
-        <p:blipFill>
-          <a:blip r:embed="rId5"/>
-          <a:stretch>
-            <a:fillRect/>
-          </a:stretch>
-        </p:blipFill>
-        <p:spPr>
-          <a:xfrm>
-            <a:off x="3212762" y="2620460"/>
-            <a:ext cx="4626550" cy="1502268"/>
-          </a:xfrm>
-          <a:prstGeom prst="rect">
-            <a:avLst/>
-          </a:prstGeom>
-        </p:spPr>
-      </p:pic>
-      <p:pic>
-        <p:nvPicPr>
-          <p:cNvPr id="8" name="그림 7"/>
-          <p:cNvPicPr>
-            <a:picLocks noChangeAspect="1"/>
-          </p:cNvPicPr>
-          <p:nvPr/>
-        </p:nvPicPr>
-        <p:blipFill>
-          <a:blip r:embed="rId6"/>
-          <a:stretch>
-            <a:fillRect/>
-          </a:stretch>
-        </p:blipFill>
-        <p:spPr>
-          <a:xfrm>
-            <a:off x="8498010" y="319236"/>
-            <a:ext cx="2683399" cy="1110372"/>
-          </a:xfrm>
-          <a:prstGeom prst="rect">
-            <a:avLst/>
-          </a:prstGeom>
-        </p:spPr>
-      </p:pic>
-      <p:pic>
-        <p:nvPicPr>
-          <p:cNvPr id="9" name="그림 8"/>
-          <p:cNvPicPr>
-            <a:picLocks noChangeAspect="1"/>
-          </p:cNvPicPr>
-          <p:nvPr/>
-        </p:nvPicPr>
-        <p:blipFill>
-          <a:blip r:embed="rId7"/>
-          <a:stretch>
-            <a:fillRect/>
-          </a:stretch>
-        </p:blipFill>
-        <p:spPr>
-          <a:xfrm>
-            <a:off x="496615" y="3925995"/>
-            <a:ext cx="2046568" cy="990626"/>
-          </a:xfrm>
-          <a:prstGeom prst="rect">
-            <a:avLst/>
-          </a:prstGeom>
-        </p:spPr>
-      </p:pic>
-      <p:pic>
-        <p:nvPicPr>
-          <p:cNvPr id="10" name="그림 9"/>
-          <p:cNvPicPr>
-            <a:picLocks noChangeAspect="1"/>
-          </p:cNvPicPr>
-          <p:nvPr/>
-        </p:nvPicPr>
-        <p:blipFill>
-          <a:blip r:embed="rId8"/>
-          <a:stretch>
-            <a:fillRect/>
-          </a:stretch>
-        </p:blipFill>
-        <p:spPr>
-          <a:xfrm>
-            <a:off x="3276764" y="4365652"/>
-            <a:ext cx="3293015" cy="1398851"/>
-          </a:xfrm>
-          <a:prstGeom prst="rect">
-            <a:avLst/>
-          </a:prstGeom>
-        </p:spPr>
-      </p:pic>
-      <p:pic>
-        <p:nvPicPr>
-          <p:cNvPr id="11" name="그림 10"/>
-          <p:cNvPicPr>
-            <a:picLocks noChangeAspect="1"/>
-          </p:cNvPicPr>
-          <p:nvPr/>
-        </p:nvPicPr>
-        <p:blipFill>
-          <a:blip r:embed="rId9"/>
-          <a:stretch>
-            <a:fillRect/>
-          </a:stretch>
-        </p:blipFill>
-        <p:spPr>
-          <a:xfrm>
-            <a:off x="8750232" y="2766402"/>
-            <a:ext cx="1170245" cy="751134"/>
-          </a:xfrm>
-          <a:prstGeom prst="rect">
-            <a:avLst/>
-          </a:prstGeom>
-        </p:spPr>
-      </p:pic>
-      <p:pic>
-        <p:nvPicPr>
-          <p:cNvPr id="12" name="그림 11"/>
-          <p:cNvPicPr>
-            <a:picLocks noChangeAspect="1"/>
-          </p:cNvPicPr>
-          <p:nvPr/>
-        </p:nvPicPr>
-        <p:blipFill>
-          <a:blip r:embed="rId10"/>
-          <a:stretch>
-            <a:fillRect/>
-          </a:stretch>
-        </p:blipFill>
-        <p:spPr>
-          <a:xfrm>
-            <a:off x="6829569" y="4184724"/>
-            <a:ext cx="3494406" cy="1170245"/>
-          </a:xfrm>
-          <a:prstGeom prst="rect">
-            <a:avLst/>
-          </a:prstGeom>
-        </p:spPr>
-      </p:pic>
-    </p:spTree>
-    <p:extLst>
-      <p:ext uri="{BB962C8B-B14F-4D97-AF65-F5344CB8AC3E}">
-        <p14:creationId xmlns:p14="http://schemas.microsoft.com/office/powerpoint/2010/main" val="3963893147"/>
-      </p:ext>
-    </p:extLst>
-  </p:cSld>
-  <p:clrMapOvr>
-    <a:masterClrMapping/>
-  </p:clrMapOvr>
-</p:sld>
-</file>
-
 <file path=ppt/slides/slide6.xml><?xml version="1.0" encoding="utf-8"?>
 <p:sld xmlns:a="http://schemas.openxmlformats.org/drawingml/2006/main" xmlns:r="http://schemas.openxmlformats.org/officeDocument/2006/relationships" xmlns:p="http://schemas.openxmlformats.org/presentationml/2006/main">
   <p:cSld>
@@ -3983,8 +3816,8 @@
         </p:blipFill>
         <p:spPr>
           <a:xfrm>
-            <a:off x="347159" y="105263"/>
-            <a:ext cx="2204415" cy="1936619"/>
+            <a:off x="325274" y="84388"/>
+            <a:ext cx="3053523" cy="1834291"/>
           </a:xfrm>
           <a:prstGeom prst="rect">
             <a:avLst/>
@@ -3993,7 +3826,7 @@
       </p:pic>
       <p:pic>
         <p:nvPicPr>
-          <p:cNvPr id="2" name="그림 1"/>
+          <p:cNvPr id="5" name="그림 4"/>
           <p:cNvPicPr>
             <a:picLocks noChangeAspect="1"/>
           </p:cNvPicPr>
@@ -4007,57 +3840,17 @@
         </p:blipFill>
         <p:spPr>
           <a:xfrm>
-            <a:off x="3186469" y="105263"/>
-            <a:ext cx="5701508" cy="2400635"/>
+            <a:off x="3548890" y="84388"/>
+            <a:ext cx="4577563" cy="2443907"/>
           </a:xfrm>
           <a:prstGeom prst="rect">
             <a:avLst/>
           </a:prstGeom>
         </p:spPr>
       </p:pic>
-      <p:sp>
-        <p:nvSpPr>
-          <p:cNvPr id="3" name="직사각형 2"/>
-          <p:cNvSpPr/>
-          <p:nvPr/>
-        </p:nvSpPr>
-        <p:spPr>
-          <a:xfrm>
-            <a:off x="5243843" y="3244334"/>
-            <a:ext cx="1704313" cy="369332"/>
-          </a:xfrm>
-          <a:prstGeom prst="rect">
-            <a:avLst/>
-          </a:prstGeom>
-        </p:spPr>
-        <p:txBody>
-          <a:bodyPr wrap="none">
-            <a:spAutoFit/>
-          </a:bodyPr>
-          <a:lstStyle/>
-          <a:p>
-            <a:r>
-              <a:rPr lang="en-US" altLang="ko-KR" u="sng" dirty="0">
-                <a:solidFill>
-                  <a:srgbClr val="CCCCCC"/>
-                </a:solidFill>
-                <a:latin typeface="Consolas" panose="020B0609020204030204" pitchFamily="49" charset="0"/>
-              </a:rPr>
-              <a:t>image/01-02-</a:t>
-            </a:r>
-            <a:endParaRPr lang="en-US" altLang="ko-KR" b="0" dirty="0">
-              <a:solidFill>
-                <a:srgbClr val="CCCCCC"/>
-              </a:solidFill>
-              <a:effectLst/>
-              <a:latin typeface="Consolas" panose="020B0609020204030204" pitchFamily="49" charset="0"/>
-            </a:endParaRPr>
-          </a:p>
-        </p:txBody>
-      </p:sp>
       <p:pic>
         <p:nvPicPr>
-          <p:cNvPr id="5" name="그림 4"/>
+          <p:cNvPr id="6" name="그림 5"/>
           <p:cNvPicPr>
             <a:picLocks noChangeAspect="1"/>
           </p:cNvPicPr>
@@ -4071,8 +3864,8 @@
         </p:blipFill>
         <p:spPr>
           <a:xfrm>
-            <a:off x="347159" y="2963815"/>
-            <a:ext cx="3429479" cy="2281556"/>
+            <a:off x="448065" y="2462681"/>
+            <a:ext cx="2340490" cy="1235561"/>
           </a:xfrm>
           <a:prstGeom prst="rect">
             <a:avLst/>
@@ -4081,7 +3874,7 @@
       </p:pic>
       <p:pic>
         <p:nvPicPr>
-          <p:cNvPr id="6" name="그림 5"/>
+          <p:cNvPr id="7" name="그림 6"/>
           <p:cNvPicPr>
             <a:picLocks noChangeAspect="1"/>
           </p:cNvPicPr>
@@ -4095,8 +3888,128 @@
         </p:blipFill>
         <p:spPr>
           <a:xfrm>
-            <a:off x="5727216" y="2505898"/>
-            <a:ext cx="3467584" cy="3543795"/>
+            <a:off x="3212762" y="2620460"/>
+            <a:ext cx="4626550" cy="1502268"/>
+          </a:xfrm>
+          <a:prstGeom prst="rect">
+            <a:avLst/>
+          </a:prstGeom>
+        </p:spPr>
+      </p:pic>
+      <p:pic>
+        <p:nvPicPr>
+          <p:cNvPr id="8" name="그림 7"/>
+          <p:cNvPicPr>
+            <a:picLocks noChangeAspect="1"/>
+          </p:cNvPicPr>
+          <p:nvPr/>
+        </p:nvPicPr>
+        <p:blipFill>
+          <a:blip r:embed="rId6"/>
+          <a:stretch>
+            <a:fillRect/>
+          </a:stretch>
+        </p:blipFill>
+        <p:spPr>
+          <a:xfrm>
+            <a:off x="8498010" y="319236"/>
+            <a:ext cx="2683399" cy="1110372"/>
+          </a:xfrm>
+          <a:prstGeom prst="rect">
+            <a:avLst/>
+          </a:prstGeom>
+        </p:spPr>
+      </p:pic>
+      <p:pic>
+        <p:nvPicPr>
+          <p:cNvPr id="9" name="그림 8"/>
+          <p:cNvPicPr>
+            <a:picLocks noChangeAspect="1"/>
+          </p:cNvPicPr>
+          <p:nvPr/>
+        </p:nvPicPr>
+        <p:blipFill>
+          <a:blip r:embed="rId7"/>
+          <a:stretch>
+            <a:fillRect/>
+          </a:stretch>
+        </p:blipFill>
+        <p:spPr>
+          <a:xfrm>
+            <a:off x="496615" y="3925995"/>
+            <a:ext cx="2046568" cy="990626"/>
+          </a:xfrm>
+          <a:prstGeom prst="rect">
+            <a:avLst/>
+          </a:prstGeom>
+        </p:spPr>
+      </p:pic>
+      <p:pic>
+        <p:nvPicPr>
+          <p:cNvPr id="10" name="그림 9"/>
+          <p:cNvPicPr>
+            <a:picLocks noChangeAspect="1"/>
+          </p:cNvPicPr>
+          <p:nvPr/>
+        </p:nvPicPr>
+        <p:blipFill>
+          <a:blip r:embed="rId8"/>
+          <a:stretch>
+            <a:fillRect/>
+          </a:stretch>
+        </p:blipFill>
+        <p:spPr>
+          <a:xfrm>
+            <a:off x="3276764" y="4365652"/>
+            <a:ext cx="3293015" cy="1398851"/>
+          </a:xfrm>
+          <a:prstGeom prst="rect">
+            <a:avLst/>
+          </a:prstGeom>
+        </p:spPr>
+      </p:pic>
+      <p:pic>
+        <p:nvPicPr>
+          <p:cNvPr id="11" name="그림 10"/>
+          <p:cNvPicPr>
+            <a:picLocks noChangeAspect="1"/>
+          </p:cNvPicPr>
+          <p:nvPr/>
+        </p:nvPicPr>
+        <p:blipFill>
+          <a:blip r:embed="rId9"/>
+          <a:stretch>
+            <a:fillRect/>
+          </a:stretch>
+        </p:blipFill>
+        <p:spPr>
+          <a:xfrm>
+            <a:off x="8750232" y="2766402"/>
+            <a:ext cx="1170245" cy="751134"/>
+          </a:xfrm>
+          <a:prstGeom prst="rect">
+            <a:avLst/>
+          </a:prstGeom>
+        </p:spPr>
+      </p:pic>
+      <p:pic>
+        <p:nvPicPr>
+          <p:cNvPr id="12" name="그림 11"/>
+          <p:cNvPicPr>
+            <a:picLocks noChangeAspect="1"/>
+          </p:cNvPicPr>
+          <p:nvPr/>
+        </p:nvPicPr>
+        <p:blipFill>
+          <a:blip r:embed="rId10"/>
+          <a:stretch>
+            <a:fillRect/>
+          </a:stretch>
+        </p:blipFill>
+        <p:spPr>
+          <a:xfrm>
+            <a:off x="6829569" y="4184724"/>
+            <a:ext cx="3494406" cy="1170245"/>
           </a:xfrm>
           <a:prstGeom prst="rect">
             <a:avLst/>
@@ -4106,7 +4019,7 @@
     </p:spTree>
     <p:extLst>
       <p:ext uri="{BB962C8B-B14F-4D97-AF65-F5344CB8AC3E}">
-        <p14:creationId xmlns:p14="http://schemas.microsoft.com/office/powerpoint/2010/main" val="3195221694"/>
+        <p14:creationId xmlns:p14="http://schemas.microsoft.com/office/powerpoint/2010/main" val="3963893147"/>
       </p:ext>
     </p:extLst>
   </p:cSld>
@@ -4149,6 +4062,172 @@
         </p:blipFill>
         <p:spPr>
           <a:xfrm>
+            <a:off x="347159" y="105263"/>
+            <a:ext cx="2204415" cy="1936619"/>
+          </a:xfrm>
+          <a:prstGeom prst="rect">
+            <a:avLst/>
+          </a:prstGeom>
+        </p:spPr>
+      </p:pic>
+      <p:pic>
+        <p:nvPicPr>
+          <p:cNvPr id="2" name="그림 1"/>
+          <p:cNvPicPr>
+            <a:picLocks noChangeAspect="1"/>
+          </p:cNvPicPr>
+          <p:nvPr/>
+        </p:nvPicPr>
+        <p:blipFill>
+          <a:blip r:embed="rId3"/>
+          <a:stretch>
+            <a:fillRect/>
+          </a:stretch>
+        </p:blipFill>
+        <p:spPr>
+          <a:xfrm>
+            <a:off x="3186469" y="105263"/>
+            <a:ext cx="5701508" cy="2400635"/>
+          </a:xfrm>
+          <a:prstGeom prst="rect">
+            <a:avLst/>
+          </a:prstGeom>
+        </p:spPr>
+      </p:pic>
+      <p:sp>
+        <p:nvSpPr>
+          <p:cNvPr id="3" name="직사각형 2"/>
+          <p:cNvSpPr/>
+          <p:nvPr/>
+        </p:nvSpPr>
+        <p:spPr>
+          <a:xfrm>
+            <a:off x="5243843" y="3244334"/>
+            <a:ext cx="1704313" cy="369332"/>
+          </a:xfrm>
+          <a:prstGeom prst="rect">
+            <a:avLst/>
+          </a:prstGeom>
+        </p:spPr>
+        <p:txBody>
+          <a:bodyPr wrap="none">
+            <a:spAutoFit/>
+          </a:bodyPr>
+          <a:lstStyle/>
+          <a:p>
+            <a:r>
+              <a:rPr lang="en-US" altLang="ko-KR" u="sng" dirty="0">
+                <a:solidFill>
+                  <a:srgbClr val="CCCCCC"/>
+                </a:solidFill>
+                <a:latin typeface="Consolas" panose="020B0609020204030204" pitchFamily="49" charset="0"/>
+              </a:rPr>
+              <a:t>image/01-02-</a:t>
+            </a:r>
+            <a:endParaRPr lang="en-US" altLang="ko-KR" b="0" dirty="0">
+              <a:solidFill>
+                <a:srgbClr val="CCCCCC"/>
+              </a:solidFill>
+              <a:effectLst/>
+              <a:latin typeface="Consolas" panose="020B0609020204030204" pitchFamily="49" charset="0"/>
+            </a:endParaRPr>
+          </a:p>
+        </p:txBody>
+      </p:sp>
+      <p:pic>
+        <p:nvPicPr>
+          <p:cNvPr id="5" name="그림 4"/>
+          <p:cNvPicPr>
+            <a:picLocks noChangeAspect="1"/>
+          </p:cNvPicPr>
+          <p:nvPr/>
+        </p:nvPicPr>
+        <p:blipFill>
+          <a:blip r:embed="rId4"/>
+          <a:stretch>
+            <a:fillRect/>
+          </a:stretch>
+        </p:blipFill>
+        <p:spPr>
+          <a:xfrm>
+            <a:off x="347159" y="2963815"/>
+            <a:ext cx="3429479" cy="2281556"/>
+          </a:xfrm>
+          <a:prstGeom prst="rect">
+            <a:avLst/>
+          </a:prstGeom>
+        </p:spPr>
+      </p:pic>
+      <p:pic>
+        <p:nvPicPr>
+          <p:cNvPr id="6" name="그림 5"/>
+          <p:cNvPicPr>
+            <a:picLocks noChangeAspect="1"/>
+          </p:cNvPicPr>
+          <p:nvPr/>
+        </p:nvPicPr>
+        <p:blipFill>
+          <a:blip r:embed="rId5"/>
+          <a:stretch>
+            <a:fillRect/>
+          </a:stretch>
+        </p:blipFill>
+        <p:spPr>
+          <a:xfrm>
+            <a:off x="5727216" y="2505898"/>
+            <a:ext cx="3467584" cy="3543795"/>
+          </a:xfrm>
+          <a:prstGeom prst="rect">
+            <a:avLst/>
+          </a:prstGeom>
+        </p:spPr>
+      </p:pic>
+    </p:spTree>
+    <p:extLst>
+      <p:ext uri="{BB962C8B-B14F-4D97-AF65-F5344CB8AC3E}">
+        <p14:creationId xmlns:p14="http://schemas.microsoft.com/office/powerpoint/2010/main" val="3195221694"/>
+      </p:ext>
+    </p:extLst>
+  </p:cSld>
+  <p:clrMapOvr>
+    <a:masterClrMapping/>
+  </p:clrMapOvr>
+</p:sld>
+</file>
+
+<file path=ppt/slides/slide8.xml><?xml version="1.0" encoding="utf-8"?>
+<p:sld xmlns:a="http://schemas.openxmlformats.org/drawingml/2006/main" xmlns:r="http://schemas.openxmlformats.org/officeDocument/2006/relationships" xmlns:p="http://schemas.openxmlformats.org/presentationml/2006/main">
+  <p:cSld>
+    <p:spTree>
+      <p:nvGrpSpPr>
+        <p:cNvPr id="1" name=""/>
+        <p:cNvGrpSpPr/>
+        <p:nvPr/>
+      </p:nvGrpSpPr>
+      <p:grpSpPr>
+        <a:xfrm>
+          <a:off x="0" y="0"/>
+          <a:ext cx="0" cy="0"/>
+          <a:chOff x="0" y="0"/>
+          <a:chExt cx="0" cy="0"/>
+        </a:xfrm>
+      </p:grpSpPr>
+      <p:pic>
+        <p:nvPicPr>
+          <p:cNvPr id="4" name="그림 3"/>
+          <p:cNvPicPr>
+            <a:picLocks noChangeAspect="1"/>
+          </p:cNvPicPr>
+          <p:nvPr/>
+        </p:nvPicPr>
+        <p:blipFill>
+          <a:blip r:embed="rId2"/>
+          <a:stretch>
+            <a:fillRect/>
+          </a:stretch>
+        </p:blipFill>
+        <p:spPr>
+          <a:xfrm>
             <a:off x="516964" y="263366"/>
             <a:ext cx="2634412" cy="1948594"/>
           </a:xfrm>
@@ -4306,7 +4385,7 @@
 </p:sld>
 </file>
 
-<file path=ppt/slides/slide8.xml><?xml version="1.0" encoding="utf-8"?>
+<file path=ppt/slides/slide9.xml><?xml version="1.0" encoding="utf-8"?>
 <p:sld xmlns:a="http://schemas.openxmlformats.org/drawingml/2006/main" xmlns:r="http://schemas.openxmlformats.org/officeDocument/2006/relationships" xmlns:p="http://schemas.openxmlformats.org/presentationml/2006/main">
   <p:cSld>
     <p:spTree>

--- a/image/이미지_생성용.pptx
+++ b/image/이미지_생성용.pptx
@@ -3409,6 +3409,54 @@
           <a:chExt cx="0" cy="0"/>
         </a:xfrm>
       </p:grpSpPr>
+      <p:pic>
+        <p:nvPicPr>
+          <p:cNvPr id="4" name="그림 3"/>
+          <p:cNvPicPr>
+            <a:picLocks noChangeAspect="1"/>
+          </p:cNvPicPr>
+          <p:nvPr/>
+        </p:nvPicPr>
+        <p:blipFill>
+          <a:blip r:embed="rId2"/>
+          <a:stretch>
+            <a:fillRect/>
+          </a:stretch>
+        </p:blipFill>
+        <p:spPr>
+          <a:xfrm>
+            <a:off x="354876" y="402402"/>
+            <a:ext cx="2657846" cy="762106"/>
+          </a:xfrm>
+          <a:prstGeom prst="rect">
+            <a:avLst/>
+          </a:prstGeom>
+        </p:spPr>
+      </p:pic>
+      <p:pic>
+        <p:nvPicPr>
+          <p:cNvPr id="5" name="그림 4"/>
+          <p:cNvPicPr>
+            <a:picLocks noChangeAspect="1"/>
+          </p:cNvPicPr>
+          <p:nvPr/>
+        </p:nvPicPr>
+        <p:blipFill>
+          <a:blip r:embed="rId3"/>
+          <a:stretch>
+            <a:fillRect/>
+          </a:stretch>
+        </p:blipFill>
+        <p:spPr>
+          <a:xfrm>
+            <a:off x="2690337" y="513943"/>
+            <a:ext cx="4086796" cy="3498068"/>
+          </a:xfrm>
+          <a:prstGeom prst="rect">
+            <a:avLst/>
+          </a:prstGeom>
+        </p:spPr>
+      </p:pic>
     </p:spTree>
     <p:extLst>
       <p:ext uri="{BB962C8B-B14F-4D97-AF65-F5344CB8AC3E}">
